--- a/Week_11/Presentation_EDA.pptx
+++ b/Week_11/Presentation_EDA.pptx
@@ -5,7 +5,7 @@
     <p:sldMasterId id="2147483684" r:id="rId1"/>
   </p:sldMasterIdLst>
   <p:notesMasterIdLst>
-    <p:notesMasterId r:id="rId14"/>
+    <p:notesMasterId r:id="rId15"/>
   </p:notesMasterIdLst>
   <p:sldIdLst>
     <p:sldId id="256" r:id="rId2"/>
@@ -16,10 +16,11 @@
     <p:sldId id="275" r:id="rId7"/>
     <p:sldId id="276" r:id="rId8"/>
     <p:sldId id="272" r:id="rId9"/>
-    <p:sldId id="273" r:id="rId10"/>
-    <p:sldId id="274" r:id="rId11"/>
-    <p:sldId id="284" r:id="rId12"/>
-    <p:sldId id="268" r:id="rId13"/>
+    <p:sldId id="285" r:id="rId10"/>
+    <p:sldId id="273" r:id="rId11"/>
+    <p:sldId id="274" r:id="rId12"/>
+    <p:sldId id="284" r:id="rId13"/>
+    <p:sldId id="268" r:id="rId14"/>
   </p:sldIdLst>
   <p:sldSz cx="12192000" cy="6858000"/>
   <p:notesSz cx="6858000" cy="9144000"/>
@@ -313,7 +314,7 @@
   <pc:docChgLst>
     <pc:chgData name="Roger Burek-Bors" userId="52318fc02a824a34" providerId="LiveId" clId="{BABC2379-B30D-4175-AD3B-B5B8ACD058F2}"/>
     <pc:docChg chg="undo redo custSel addSld delSld modSld">
-      <pc:chgData name="Roger Burek-Bors" userId="52318fc02a824a34" providerId="LiveId" clId="{BABC2379-B30D-4175-AD3B-B5B8ACD058F2}" dt="2021-05-01T09:04:52.527" v="433" actId="20577"/>
+      <pc:chgData name="Roger Burek-Bors" userId="52318fc02a824a34" providerId="LiveId" clId="{BABC2379-B30D-4175-AD3B-B5B8ACD058F2}" dt="2021-05-03T05:55:42.463" v="579" actId="790"/>
       <pc:docMkLst>
         <pc:docMk/>
       </pc:docMkLst>
@@ -349,13 +350,13 @@
         </pc:picChg>
       </pc:sldChg>
       <pc:sldChg chg="modSp mod">
-        <pc:chgData name="Roger Burek-Bors" userId="52318fc02a824a34" providerId="LiveId" clId="{BABC2379-B30D-4175-AD3B-B5B8ACD058F2}" dt="2021-05-01T08:48:22.482" v="203"/>
+        <pc:chgData name="Roger Burek-Bors" userId="52318fc02a824a34" providerId="LiveId" clId="{BABC2379-B30D-4175-AD3B-B5B8ACD058F2}" dt="2021-05-03T05:42:56.687" v="479" actId="20577"/>
         <pc:sldMkLst>
           <pc:docMk/>
           <pc:sldMk cId="1899016330" sldId="269"/>
         </pc:sldMkLst>
         <pc:spChg chg="mod">
-          <ac:chgData name="Roger Burek-Bors" userId="52318fc02a824a34" providerId="LiveId" clId="{BABC2379-B30D-4175-AD3B-B5B8ACD058F2}" dt="2021-05-01T08:48:22.482" v="203"/>
+          <ac:chgData name="Roger Burek-Bors" userId="52318fc02a824a34" providerId="LiveId" clId="{BABC2379-B30D-4175-AD3B-B5B8ACD058F2}" dt="2021-05-03T05:42:56.687" v="479" actId="20577"/>
           <ac:spMkLst>
             <pc:docMk/>
             <pc:sldMk cId="1899016330" sldId="269"/>
@@ -393,14 +394,14 @@
           </ac:spMkLst>
         </pc:spChg>
       </pc:sldChg>
-      <pc:sldChg chg="delSp modSp mod">
-        <pc:chgData name="Roger Burek-Bors" userId="52318fc02a824a34" providerId="LiveId" clId="{BABC2379-B30D-4175-AD3B-B5B8ACD058F2}" dt="2021-05-01T08:51:40.607" v="251" actId="1076"/>
+      <pc:sldChg chg="addSp delSp modSp mod">
+        <pc:chgData name="Roger Burek-Bors" userId="52318fc02a824a34" providerId="LiveId" clId="{BABC2379-B30D-4175-AD3B-B5B8ACD058F2}" dt="2021-05-03T05:45:52.490" v="494"/>
         <pc:sldMkLst>
           <pc:docMk/>
           <pc:sldMk cId="4200854336" sldId="272"/>
         </pc:sldMkLst>
         <pc:spChg chg="mod">
-          <ac:chgData name="Roger Burek-Bors" userId="52318fc02a824a34" providerId="LiveId" clId="{BABC2379-B30D-4175-AD3B-B5B8ACD058F2}" dt="2021-05-01T08:51:40.607" v="251" actId="1076"/>
+          <ac:chgData name="Roger Burek-Bors" userId="52318fc02a824a34" providerId="LiveId" clId="{BABC2379-B30D-4175-AD3B-B5B8ACD058F2}" dt="2021-05-03T05:45:52.490" v="494"/>
           <ac:spMkLst>
             <pc:docMk/>
             <pc:sldMk cId="4200854336" sldId="272"/>
@@ -408,7 +409,7 @@
           </ac:spMkLst>
         </pc:spChg>
         <pc:spChg chg="mod">
-          <ac:chgData name="Roger Burek-Bors" userId="52318fc02a824a34" providerId="LiveId" clId="{BABC2379-B30D-4175-AD3B-B5B8ACD058F2}" dt="2021-05-01T08:50:55.064" v="230" actId="27636"/>
+          <ac:chgData name="Roger Burek-Bors" userId="52318fc02a824a34" providerId="LiveId" clId="{BABC2379-B30D-4175-AD3B-B5B8ACD058F2}" dt="2021-05-03T05:41:25.444" v="459" actId="313"/>
           <ac:spMkLst>
             <pc:docMk/>
             <pc:sldMk cId="4200854336" sldId="272"/>
@@ -431,6 +432,14 @@
             <ac:spMk id="9" creationId="{F523BA9E-3D67-441D-9B1C-80CEA39F5E2C}"/>
           </ac:spMkLst>
         </pc:spChg>
+        <pc:picChg chg="add mod">
+          <ac:chgData name="Roger Burek-Bors" userId="52318fc02a824a34" providerId="LiveId" clId="{BABC2379-B30D-4175-AD3B-B5B8ACD058F2}" dt="2021-05-03T05:45:09.249" v="486" actId="1076"/>
+          <ac:picMkLst>
+            <pc:docMk/>
+            <pc:sldMk cId="4200854336" sldId="272"/>
+            <ac:picMk id="5" creationId="{A995BEC3-555A-4FB5-BEFB-142F1A184D8C}"/>
+          </ac:picMkLst>
+        </pc:picChg>
         <pc:picChg chg="del">
           <ac:chgData name="Roger Burek-Bors" userId="52318fc02a824a34" providerId="LiveId" clId="{BABC2379-B30D-4175-AD3B-B5B8ACD058F2}" dt="2021-05-01T08:51:04.053" v="231" actId="478"/>
           <ac:picMkLst>
@@ -510,13 +519,13 @@
         </pc:picChg>
       </pc:sldChg>
       <pc:sldChg chg="modSp mod">
-        <pc:chgData name="Roger Burek-Bors" userId="52318fc02a824a34" providerId="LiveId" clId="{BABC2379-B30D-4175-AD3B-B5B8ACD058F2}" dt="2021-05-01T08:50:34.197" v="228" actId="20577"/>
+        <pc:chgData name="Roger Burek-Bors" userId="52318fc02a824a34" providerId="LiveId" clId="{BABC2379-B30D-4175-AD3B-B5B8ACD058F2}" dt="2021-05-03T05:41:06.904" v="439" actId="6549"/>
         <pc:sldMkLst>
           <pc:docMk/>
           <pc:sldMk cId="3201505257" sldId="276"/>
         </pc:sldMkLst>
         <pc:spChg chg="mod">
-          <ac:chgData name="Roger Burek-Bors" userId="52318fc02a824a34" providerId="LiveId" clId="{BABC2379-B30D-4175-AD3B-B5B8ACD058F2}" dt="2021-05-01T08:50:34.197" v="228" actId="20577"/>
+          <ac:chgData name="Roger Burek-Bors" userId="52318fc02a824a34" providerId="LiveId" clId="{BABC2379-B30D-4175-AD3B-B5B8ACD058F2}" dt="2021-05-03T05:41:06.904" v="439" actId="6549"/>
           <ac:spMkLst>
             <pc:docMk/>
             <pc:sldMk cId="3201505257" sldId="276"/>
@@ -574,13 +583,13 @@
         </pc:sldMkLst>
       </pc:sldChg>
       <pc:sldChg chg="modSp add mod">
-        <pc:chgData name="Roger Burek-Bors" userId="52318fc02a824a34" providerId="LiveId" clId="{BABC2379-B30D-4175-AD3B-B5B8ACD058F2}" dt="2021-05-01T08:30:17.508" v="89" actId="5793"/>
+        <pc:chgData name="Roger Burek-Bors" userId="52318fc02a824a34" providerId="LiveId" clId="{BABC2379-B30D-4175-AD3B-B5B8ACD058F2}" dt="2021-05-03T05:55:42.463" v="579" actId="790"/>
         <pc:sldMkLst>
           <pc:docMk/>
           <pc:sldMk cId="1837009852" sldId="284"/>
         </pc:sldMkLst>
         <pc:spChg chg="mod">
-          <ac:chgData name="Roger Burek-Bors" userId="52318fc02a824a34" providerId="LiveId" clId="{BABC2379-B30D-4175-AD3B-B5B8ACD058F2}" dt="2021-05-01T08:30:17.508" v="89" actId="5793"/>
+          <ac:chgData name="Roger Burek-Bors" userId="52318fc02a824a34" providerId="LiveId" clId="{BABC2379-B30D-4175-AD3B-B5B8ACD058F2}" dt="2021-05-03T05:55:42.463" v="579" actId="790"/>
           <ac:spMkLst>
             <pc:docMk/>
             <pc:sldMk cId="1837009852" sldId="284"/>
@@ -592,6 +601,21 @@
           <ac:spMkLst>
             <pc:docMk/>
             <pc:sldMk cId="1837009852" sldId="284"/>
+            <ac:spMk id="4" creationId="{F0FEE1CD-BF08-48FA-8526-5BEB92660675}"/>
+          </ac:spMkLst>
+        </pc:spChg>
+      </pc:sldChg>
+      <pc:sldChg chg="modSp add mod">
+        <pc:chgData name="Roger Burek-Bors" userId="52318fc02a824a34" providerId="LiveId" clId="{BABC2379-B30D-4175-AD3B-B5B8ACD058F2}" dt="2021-05-03T05:43:20.046" v="484" actId="5793"/>
+        <pc:sldMkLst>
+          <pc:docMk/>
+          <pc:sldMk cId="305963083" sldId="285"/>
+        </pc:sldMkLst>
+        <pc:spChg chg="mod">
+          <ac:chgData name="Roger Burek-Bors" userId="52318fc02a824a34" providerId="LiveId" clId="{BABC2379-B30D-4175-AD3B-B5B8ACD058F2}" dt="2021-05-03T05:43:20.046" v="484" actId="5793"/>
+          <ac:spMkLst>
+            <pc:docMk/>
+            <pc:sldMk cId="305963083" sldId="285"/>
             <ac:spMk id="4" creationId="{F0FEE1CD-BF08-48FA-8526-5BEB92660675}"/>
           </ac:spMkLst>
         </pc:spChg>
@@ -1268,7 +1292,7 @@
           <a:p>
             <a:fld id="{2BDA1FB4-8E38-4CEB-9ECB-65C04D5EAEF4}" type="datetimeFigureOut">
               <a:rPr lang="en-US" smtClean="0"/>
-              <a:t>5/1/2021</a:t>
+              <a:t>5/3/2021</a:t>
             </a:fld>
             <a:endParaRPr lang="en-US"/>
           </a:p>
@@ -1667,7 +1691,7 @@
           <a:p>
             <a:fld id="{C764DE79-268F-4C1A-8933-263129D2AF90}" type="datetimeFigureOut">
               <a:rPr lang="en-US" dirty="0"/>
-              <a:t>5/1/2021</a:t>
+              <a:t>5/3/2021</a:t>
             </a:fld>
             <a:endParaRPr lang="en-US"/>
           </a:p>
@@ -1837,7 +1861,7 @@
           <a:p>
             <a:fld id="{C764DE79-268F-4C1A-8933-263129D2AF90}" type="datetimeFigureOut">
               <a:rPr lang="en-US" dirty="0"/>
-              <a:t>5/1/2021</a:t>
+              <a:t>5/3/2021</a:t>
             </a:fld>
             <a:endParaRPr lang="en-US"/>
           </a:p>
@@ -2017,7 +2041,7 @@
           <a:p>
             <a:fld id="{C764DE79-268F-4C1A-8933-263129D2AF90}" type="datetimeFigureOut">
               <a:rPr lang="en-US" dirty="0"/>
-              <a:t>5/1/2021</a:t>
+              <a:t>5/3/2021</a:t>
             </a:fld>
             <a:endParaRPr lang="en-US"/>
           </a:p>
@@ -2187,7 +2211,7 @@
           <a:p>
             <a:fld id="{C764DE79-268F-4C1A-8933-263129D2AF90}" type="datetimeFigureOut">
               <a:rPr lang="en-US" dirty="0"/>
-              <a:t>5/1/2021</a:t>
+              <a:t>5/3/2021</a:t>
             </a:fld>
             <a:endParaRPr lang="en-US"/>
           </a:p>
@@ -2433,7 +2457,7 @@
           <a:p>
             <a:fld id="{C764DE79-268F-4C1A-8933-263129D2AF90}" type="datetimeFigureOut">
               <a:rPr lang="en-US" dirty="0"/>
-              <a:t>5/1/2021</a:t>
+              <a:t>5/3/2021</a:t>
             </a:fld>
             <a:endParaRPr lang="en-US"/>
           </a:p>
@@ -2665,7 +2689,7 @@
           <a:p>
             <a:fld id="{C764DE79-268F-4C1A-8933-263129D2AF90}" type="datetimeFigureOut">
               <a:rPr lang="en-US" dirty="0"/>
-              <a:t>5/1/2021</a:t>
+              <a:t>5/3/2021</a:t>
             </a:fld>
             <a:endParaRPr lang="en-US"/>
           </a:p>
@@ -3032,7 +3056,7 @@
           <a:p>
             <a:fld id="{C764DE79-268F-4C1A-8933-263129D2AF90}" type="datetimeFigureOut">
               <a:rPr lang="en-US" dirty="0"/>
-              <a:t>5/1/2021</a:t>
+              <a:t>5/3/2021</a:t>
             </a:fld>
             <a:endParaRPr lang="en-US"/>
           </a:p>
@@ -3150,7 +3174,7 @@
           <a:p>
             <a:fld id="{C764DE79-268F-4C1A-8933-263129D2AF90}" type="datetimeFigureOut">
               <a:rPr lang="en-US" dirty="0"/>
-              <a:t>5/1/2021</a:t>
+              <a:t>5/3/2021</a:t>
             </a:fld>
             <a:endParaRPr lang="en-US"/>
           </a:p>
@@ -3245,7 +3269,7 @@
           <a:p>
             <a:fld id="{C764DE79-268F-4C1A-8933-263129D2AF90}" type="datetimeFigureOut">
               <a:rPr lang="en-US" dirty="0"/>
-              <a:t>5/1/2021</a:t>
+              <a:t>5/3/2021</a:t>
             </a:fld>
             <a:endParaRPr lang="en-US"/>
           </a:p>
@@ -3522,7 +3546,7 @@
           <a:p>
             <a:fld id="{C764DE79-268F-4C1A-8933-263129D2AF90}" type="datetimeFigureOut">
               <a:rPr lang="en-US" dirty="0"/>
-              <a:t>5/1/2021</a:t>
+              <a:t>5/3/2021</a:t>
             </a:fld>
             <a:endParaRPr lang="en-US"/>
           </a:p>
@@ -3779,7 +3803,7 @@
           <a:p>
             <a:fld id="{C764DE79-268F-4C1A-8933-263129D2AF90}" type="datetimeFigureOut">
               <a:rPr lang="en-US" dirty="0"/>
-              <a:t>5/1/2021</a:t>
+              <a:t>5/3/2021</a:t>
             </a:fld>
             <a:endParaRPr lang="en-US"/>
           </a:p>
@@ -3992,7 +4016,7 @@
           <a:p>
             <a:fld id="{C764DE79-268F-4C1A-8933-263129D2AF90}" type="datetimeFigureOut">
               <a:rPr lang="en-US" dirty="0"/>
-              <a:t>5/1/2021</a:t>
+              <a:t>5/3/2021</a:t>
             </a:fld>
             <a:endParaRPr lang="en-US"/>
           </a:p>
@@ -4615,36 +4639,58 @@
         </p:nvSpPr>
         <p:spPr>
           <a:xfrm>
-            <a:off x="477253" y="1392488"/>
-            <a:ext cx="11205410" cy="5285038"/>
+            <a:off x="838199" y="2090320"/>
+            <a:ext cx="10515600" cy="4351338"/>
           </a:xfrm>
         </p:spPr>
         <p:txBody>
           <a:bodyPr>
-            <a:noAutofit/>
+            <a:normAutofit/>
           </a:bodyPr>
           <a:lstStyle/>
           <a:p>
             <a:pPr algn="just"/>
             <a:r>
-              <a:rPr lang="pl-PL" sz="2000" dirty="0"/>
-              <a:t>…</a:t>
+              <a:rPr lang="pl-PL" sz="3200" dirty="0"/>
+              <a:t>..</a:t>
+            </a:r>
+            <a:r>
+              <a:rPr lang="en-AU" sz="3200" dirty="0"/>
+              <a:t>.</a:t>
             </a:r>
           </a:p>
           <a:p>
             <a:pPr algn="just"/>
             <a:r>
-              <a:rPr lang="pl-PL" sz="2000" dirty="0"/>
-              <a:t>…</a:t>
+              <a:rPr lang="pl-PL" sz="3200" dirty="0"/>
+              <a:t>..</a:t>
+            </a:r>
+            <a:r>
+              <a:rPr lang="en-AU" sz="3200" dirty="0"/>
+              <a:t>.</a:t>
             </a:r>
           </a:p>
           <a:p>
             <a:pPr algn="just"/>
             <a:r>
-              <a:rPr lang="pl-PL" sz="2000" dirty="0"/>
-              <a:t>…</a:t>
-            </a:r>
-            <a:endParaRPr lang="en-US" sz="900" dirty="0"/>
+              <a:rPr lang="pl-PL" sz="3200" dirty="0"/>
+              <a:t>..</a:t>
+            </a:r>
+            <a:r>
+              <a:rPr lang="en-AU" sz="3200" dirty="0"/>
+              <a:t>.</a:t>
+            </a:r>
+          </a:p>
+          <a:p>
+            <a:pPr algn="just"/>
+            <a:r>
+              <a:rPr lang="pl-PL" sz="3200" dirty="0"/>
+              <a:t>..</a:t>
+            </a:r>
+            <a:r>
+              <a:rPr lang="en-AU" sz="3200" dirty="0"/>
+              <a:t>.</a:t>
+            </a:r>
           </a:p>
         </p:txBody>
       </p:sp>
@@ -4705,7 +4751,7 @@
                   <a:srgbClr val="FF6600"/>
                 </a:solidFill>
               </a:rPr>
-              <a:t>Recommendations</a:t>
+              <a:t>EDA Summary</a:t>
             </a:r>
           </a:p>
         </p:txBody>
@@ -4713,7 +4759,7 @@
     </p:spTree>
     <p:extLst>
       <p:ext uri="{BB962C8B-B14F-4D97-AF65-F5344CB8AC3E}">
-        <p14:creationId xmlns:p14="http://schemas.microsoft.com/office/powerpoint/2010/main" val="481083618"/>
+        <p14:creationId xmlns:p14="http://schemas.microsoft.com/office/powerpoint/2010/main" val="3497837162"/>
       </p:ext>
     </p:extLst>
   </p:cSld>
@@ -4758,8 +4804,8 @@
         </p:nvSpPr>
         <p:spPr>
           <a:xfrm>
-            <a:off x="477252" y="1296232"/>
-            <a:ext cx="11193379" cy="4226263"/>
+            <a:off x="477253" y="1392488"/>
+            <a:ext cx="11205410" cy="5285038"/>
           </a:xfrm>
         </p:spPr>
         <p:txBody>
@@ -4770,24 +4816,24 @@
           <a:p>
             <a:pPr algn="just"/>
             <a:r>
-              <a:rPr lang="pl-PL" sz="2300" dirty="0"/>
+              <a:rPr lang="pl-PL" sz="2000" dirty="0"/>
               <a:t>…</a:t>
             </a:r>
           </a:p>
           <a:p>
             <a:pPr algn="just"/>
             <a:r>
-              <a:rPr lang="pl-PL" sz="2300" dirty="0"/>
+              <a:rPr lang="pl-PL" sz="2000" dirty="0"/>
               <a:t>…</a:t>
             </a:r>
           </a:p>
           <a:p>
             <a:pPr algn="just"/>
             <a:r>
-              <a:rPr lang="pl-PL" sz="2300" dirty="0"/>
+              <a:rPr lang="pl-PL" sz="2000" dirty="0"/>
               <a:t>…</a:t>
             </a:r>
-            <a:endParaRPr lang="en-US" sz="2300" dirty="0"/>
+            <a:endParaRPr lang="en-US" sz="900" dirty="0"/>
           </a:p>
         </p:txBody>
       </p:sp>
@@ -4843,6 +4889,162 @@
           <a:p>
             <a:pPr algn="ctr"/>
             <a:r>
+              <a:rPr lang="en-US" b="1" dirty="0">
+                <a:solidFill>
+                  <a:srgbClr val="FF6600"/>
+                </a:solidFill>
+              </a:rPr>
+              <a:t>Recommendations</a:t>
+            </a:r>
+          </a:p>
+        </p:txBody>
+      </p:sp>
+    </p:spTree>
+    <p:extLst>
+      <p:ext uri="{BB962C8B-B14F-4D97-AF65-F5344CB8AC3E}">
+        <p14:creationId xmlns:p14="http://schemas.microsoft.com/office/powerpoint/2010/main" val="481083618"/>
+      </p:ext>
+    </p:extLst>
+  </p:cSld>
+  <p:clrMapOvr>
+    <a:masterClrMapping/>
+  </p:clrMapOvr>
+</p:sld>
+</file>
+
+<file path=ppt/slides/slide12.xml><?xml version="1.0" encoding="utf-8"?>
+<p:sld xmlns:a="http://schemas.openxmlformats.org/drawingml/2006/main" xmlns:r="http://schemas.openxmlformats.org/officeDocument/2006/relationships" xmlns:p="http://schemas.openxmlformats.org/presentationml/2006/main">
+  <p:cSld>
+    <p:spTree>
+      <p:nvGrpSpPr>
+        <p:cNvPr id="1" name=""/>
+        <p:cNvGrpSpPr/>
+        <p:nvPr/>
+      </p:nvGrpSpPr>
+      <p:grpSpPr>
+        <a:xfrm>
+          <a:off x="0" y="0"/>
+          <a:ext cx="0" cy="0"/>
+          <a:chOff x="0" y="0"/>
+          <a:chExt cx="0" cy="0"/>
+        </a:xfrm>
+      </p:grpSpPr>
+      <p:sp>
+        <p:nvSpPr>
+          <p:cNvPr id="3" name="Symbol zastępczy zawartości 2">
+            <a:extLst>
+              <a:ext uri="{FF2B5EF4-FFF2-40B4-BE49-F238E27FC236}">
+                <a16:creationId xmlns:a16="http://schemas.microsoft.com/office/drawing/2014/main" id="{CDC6F948-2F33-47A0-AE55-62E355ACC532}"/>
+              </a:ext>
+            </a:extLst>
+          </p:cNvPr>
+          <p:cNvSpPr>
+            <a:spLocks noGrp="1"/>
+          </p:cNvSpPr>
+          <p:nvPr>
+            <p:ph idx="1"/>
+          </p:nvPr>
+        </p:nvSpPr>
+        <p:spPr>
+          <a:xfrm>
+            <a:off x="477252" y="1296232"/>
+            <a:ext cx="11193379" cy="4226263"/>
+          </a:xfrm>
+        </p:spPr>
+        <p:txBody>
+          <a:bodyPr>
+            <a:noAutofit/>
+          </a:bodyPr>
+          <a:lstStyle/>
+          <a:p>
+            <a:pPr algn="just"/>
+            <a:r>
+              <a:rPr lang="en-US" sz="2300" dirty="0"/>
+              <a:t>Following modeling techniques should be consider for this assignment:</a:t>
+            </a:r>
+          </a:p>
+          <a:p>
+            <a:pPr lvl="1" algn="just"/>
+            <a:r>
+              <a:rPr lang="en-US" sz="1900" dirty="0"/>
+              <a:t>Decision Trees</a:t>
+            </a:r>
+          </a:p>
+          <a:p>
+            <a:pPr lvl="1" algn="just"/>
+            <a:r>
+              <a:rPr lang="en-US" sz="1900" dirty="0"/>
+              <a:t>K-Nearest Neighbors</a:t>
+            </a:r>
+          </a:p>
+          <a:p>
+            <a:pPr lvl="1" algn="just"/>
+            <a:r>
+              <a:rPr lang="en-US" sz="1900" dirty="0"/>
+              <a:t>Logistic Regression</a:t>
+            </a:r>
+          </a:p>
+          <a:p>
+            <a:pPr lvl="1" algn="just"/>
+            <a:r>
+              <a:rPr lang="en-US" sz="1900" dirty="0"/>
+              <a:t>SVM (Support Vector Machines)</a:t>
+            </a:r>
+          </a:p>
+        </p:txBody>
+      </p:sp>
+      <p:sp>
+        <p:nvSpPr>
+          <p:cNvPr id="4" name="Title 1">
+            <a:extLst>
+              <a:ext uri="{FF2B5EF4-FFF2-40B4-BE49-F238E27FC236}">
+                <a16:creationId xmlns:a16="http://schemas.microsoft.com/office/drawing/2014/main" id="{F0FEE1CD-BF08-48FA-8526-5BEB92660675}"/>
+              </a:ext>
+            </a:extLst>
+          </p:cNvPr>
+          <p:cNvSpPr txBox="1">
+            <a:spLocks/>
+          </p:cNvSpPr>
+          <p:nvPr/>
+        </p:nvSpPr>
+        <p:spPr>
+          <a:xfrm rot="5400000">
+            <a:off x="5488404" y="-5488406"/>
+            <a:ext cx="1215190" cy="12192001"/>
+          </a:xfrm>
+          <a:prstGeom prst="rect">
+            <a:avLst/>
+          </a:prstGeom>
+          <a:solidFill>
+            <a:srgbClr val="3B3B3B"/>
+          </a:solidFill>
+        </p:spPr>
+        <p:txBody>
+          <a:bodyPr vert="vert270" lIns="91440" tIns="45720" rIns="91440" bIns="45720" rtlCol="0" anchor="ctr" anchorCtr="0">
+            <a:normAutofit/>
+          </a:bodyPr>
+          <a:lstStyle>
+            <a:lvl1pPr algn="l" defTabSz="914400" rtl="0" eaLnBrk="1" latinLnBrk="0" hangingPunct="1">
+              <a:lnSpc>
+                <a:spcPct val="90000"/>
+              </a:lnSpc>
+              <a:spcBef>
+                <a:spcPct val="0"/>
+              </a:spcBef>
+              <a:buNone/>
+              <a:defRPr sz="4400" kern="1200">
+                <a:solidFill>
+                  <a:schemeClr val="tx1"/>
+                </a:solidFill>
+                <a:latin typeface="+mj-lt"/>
+                <a:ea typeface="+mj-ea"/>
+                <a:cs typeface="+mj-cs"/>
+              </a:defRPr>
+            </a:lvl1pPr>
+          </a:lstStyle>
+          <a:p>
+            <a:pPr algn="ctr"/>
+            <a:r>
               <a:rPr lang="pl-PL" b="1" dirty="0">
                 <a:solidFill>
                   <a:srgbClr val="FF6600"/>
@@ -4911,7 +5113,7 @@
 </p:sld>
 </file>
 
-<file path=ppt/slides/slide12.xml><?xml version="1.0" encoding="utf-8"?>
+<file path=ppt/slides/slide13.xml><?xml version="1.0" encoding="utf-8"?>
 <p:sld xmlns:a="http://schemas.openxmlformats.org/drawingml/2006/main" xmlns:r="http://schemas.openxmlformats.org/officeDocument/2006/relationships" xmlns:p="http://schemas.openxmlformats.org/presentationml/2006/main">
   <p:cSld>
     <p:spTree>
@@ -5416,8 +5618,16 @@
           <a:p>
             <a:pPr lvl="1" algn="just"/>
             <a:r>
+              <a:rPr lang="pl-PL" dirty="0" err="1"/>
+              <a:t>importance</a:t>
+            </a:r>
+            <a:r>
               <a:rPr lang="pl-PL" dirty="0"/>
-              <a:t>…</a:t>
+              <a:t> of CT </a:t>
+            </a:r>
+            <a:r>
+              <a:rPr lang="pl-PL" dirty="0" err="1"/>
+              <a:t>scan</a:t>
             </a:r>
             <a:endParaRPr lang="en-US" dirty="0"/>
           </a:p>
@@ -6164,7 +6374,9 @@
         </p:nvSpPr>
         <p:spPr/>
         <p:txBody>
-          <a:bodyPr/>
+          <a:bodyPr>
+            <a:normAutofit fontScale="92500" lnSpcReduction="20000"/>
+          </a:bodyPr>
           <a:lstStyle/>
           <a:p>
             <a:r>
@@ -6172,12 +6384,32 @@
               <a:t>Hypothesis no. 1: </a:t>
             </a:r>
             <a:r>
-              <a:rPr lang="pl-PL" dirty="0"/>
-              <a:t>..</a:t>
-            </a:r>
-            <a:r>
               <a:rPr lang="en-AU" dirty="0"/>
-              <a:t>.</a:t>
+              <a:t>Since pulmonary NTM disease diagnosis requires a high-resolution CT scan of the lungs, features related to </a:t>
+            </a:r>
+            <a:r>
+              <a:rPr lang="en-AU" dirty="0" err="1"/>
+              <a:t>dexa</a:t>
+            </a:r>
+            <a:r>
+              <a:rPr lang="en-AU" dirty="0"/>
+              <a:t> scan (i.e. </a:t>
+            </a:r>
+            <a:r>
+              <a:rPr lang="en-AU" dirty="0" err="1"/>
+              <a:t>Dexa_Freq_During_Rx</a:t>
+            </a:r>
+            <a:r>
+              <a:rPr lang="en-AU" dirty="0"/>
+              <a:t>, </a:t>
+            </a:r>
+            <a:r>
+              <a:rPr lang="en-AU" dirty="0" err="1"/>
+              <a:t>Dexa_During_Rx</a:t>
+            </a:r>
+            <a:r>
+              <a:rPr lang="en-AU" dirty="0"/>
+              <a:t>) should contribute to drug persistency classification?</a:t>
             </a:r>
             <a:endParaRPr lang="pl-PL" dirty="0"/>
           </a:p>
@@ -6428,27 +6660,62 @@
           <a:lstStyle/>
           <a:p>
             <a:pPr algn="just"/>
-            <a:r>
-              <a:rPr lang="pl-PL" dirty="0"/>
-              <a:t>…</a:t>
-            </a:r>
+            <a:endParaRPr lang="pl-PL" dirty="0"/>
           </a:p>
           <a:p>
             <a:pPr algn="just"/>
-            <a:r>
-              <a:rPr lang="pl-PL" dirty="0"/>
-              <a:t>…</a:t>
-            </a:r>
+            <a:endParaRPr lang="pl-PL" dirty="0"/>
           </a:p>
           <a:p>
             <a:pPr algn="just"/>
-            <a:r>
-              <a:rPr lang="pl-PL" dirty="0"/>
-              <a:t>…</a:t>
-            </a:r>
-            <a:endParaRPr lang="en-AU" dirty="0"/>
-          </a:p>
-          <a:p>
+            <a:endParaRPr lang="pl-PL" dirty="0"/>
+          </a:p>
+          <a:p>
+            <a:pPr algn="just"/>
+            <a:endParaRPr lang="pl-PL" dirty="0"/>
+          </a:p>
+          <a:p>
+            <a:pPr algn="just"/>
+            <a:endParaRPr lang="pl-PL" dirty="0"/>
+          </a:p>
+          <a:p>
+            <a:pPr algn="just"/>
+            <a:endParaRPr lang="pl-PL" dirty="0"/>
+          </a:p>
+          <a:p>
+            <a:pPr algn="just"/>
+            <a:endParaRPr lang="pl-PL" dirty="0"/>
+          </a:p>
+          <a:p>
+            <a:pPr algn="just"/>
+            <a:r>
+              <a:rPr lang="en-US" dirty="0"/>
+              <a:t>Unfortunately, after removing outliers remaining data related to </a:t>
+            </a:r>
+            <a:r>
+              <a:rPr lang="en-US" dirty="0" err="1"/>
+              <a:t>dexa</a:t>
+            </a:r>
+            <a:r>
+              <a:rPr lang="en-US" dirty="0"/>
+              <a:t> scan is useless for modelling. Both features </a:t>
+            </a:r>
+            <a:r>
+              <a:rPr lang="en-US" dirty="0" err="1"/>
+              <a:t>Dexa_Freq_During_Rx</a:t>
+            </a:r>
+            <a:r>
+              <a:rPr lang="en-US" dirty="0"/>
+              <a:t> and </a:t>
+            </a:r>
+            <a:r>
+              <a:rPr lang="en-US" dirty="0" err="1"/>
+              <a:t>Dexa_During_Rx</a:t>
+            </a:r>
+            <a:r>
+              <a:rPr lang="en-US" dirty="0"/>
+              <a:t> give 100% negative. These features should not contribute to modeling.</a:t>
+            </a:r>
             <a:endParaRPr lang="pl-PL" dirty="0"/>
           </a:p>
         </p:txBody>
@@ -6512,9 +6779,84 @@
               </a:rPr>
               <a:t>EDA - Hypothesis no. 1</a:t>
             </a:r>
-          </a:p>
-        </p:txBody>
-      </p:sp>
+            <a:r>
+              <a:rPr lang="pl-PL" b="1" dirty="0">
+                <a:solidFill>
+                  <a:srgbClr val="FF6600"/>
+                </a:solidFill>
+              </a:rPr>
+              <a:t> „</a:t>
+            </a:r>
+            <a:r>
+              <a:rPr lang="pl-PL" b="1" dirty="0" err="1">
+                <a:solidFill>
+                  <a:srgbClr val="FF6600"/>
+                </a:solidFill>
+              </a:rPr>
+              <a:t>dexa</a:t>
+            </a:r>
+            <a:r>
+              <a:rPr lang="pl-PL" b="1" dirty="0">
+                <a:solidFill>
+                  <a:srgbClr val="FF6600"/>
+                </a:solidFill>
+              </a:rPr>
+              <a:t> </a:t>
+            </a:r>
+            <a:r>
+              <a:rPr lang="pl-PL" b="1" dirty="0" err="1">
+                <a:solidFill>
+                  <a:srgbClr val="FF6600"/>
+                </a:solidFill>
+              </a:rPr>
+              <a:t>scan</a:t>
+            </a:r>
+            <a:r>
+              <a:rPr lang="pl-PL" b="1" dirty="0">
+                <a:solidFill>
+                  <a:srgbClr val="FF6600"/>
+                </a:solidFill>
+              </a:rPr>
+              <a:t>”</a:t>
+            </a:r>
+            <a:endParaRPr lang="en-US" b="1" dirty="0">
+              <a:solidFill>
+                <a:srgbClr val="FF6600"/>
+              </a:solidFill>
+            </a:endParaRPr>
+          </a:p>
+        </p:txBody>
+      </p:sp>
+      <p:pic>
+        <p:nvPicPr>
+          <p:cNvPr id="5" name="Obraz 4">
+            <a:extLst>
+              <a:ext uri="{FF2B5EF4-FFF2-40B4-BE49-F238E27FC236}">
+                <a16:creationId xmlns:a16="http://schemas.microsoft.com/office/drawing/2014/main" id="{A995BEC3-555A-4FB5-BEFB-142F1A184D8C}"/>
+              </a:ext>
+            </a:extLst>
+          </p:cNvPr>
+          <p:cNvPicPr>
+            <a:picLocks noChangeAspect="1"/>
+          </p:cNvPicPr>
+          <p:nvPr/>
+        </p:nvPicPr>
+        <p:blipFill>
+          <a:blip r:embed="rId2"/>
+          <a:stretch>
+            <a:fillRect/>
+          </a:stretch>
+        </p:blipFill>
+        <p:spPr>
+          <a:xfrm>
+            <a:off x="1385229" y="1478643"/>
+            <a:ext cx="9421540" cy="3105583"/>
+          </a:xfrm>
+          <a:prstGeom prst="rect">
+            <a:avLst/>
+          </a:prstGeom>
+        </p:spPr>
+      </p:pic>
     </p:spTree>
     <p:extLst>
       <p:ext uri="{BB962C8B-B14F-4D97-AF65-F5344CB8AC3E}">
@@ -6563,8 +6905,8 @@
         </p:nvSpPr>
         <p:spPr>
           <a:xfrm>
-            <a:off x="838199" y="2090320"/>
-            <a:ext cx="10515600" cy="4351338"/>
+            <a:off x="446740" y="1393140"/>
+            <a:ext cx="11298518" cy="5327749"/>
           </a:xfrm>
         </p:spPr>
         <p:txBody>
@@ -6575,46 +6917,27 @@
           <a:p>
             <a:pPr algn="just"/>
             <a:r>
-              <a:rPr lang="pl-PL" sz="3200" dirty="0"/>
-              <a:t>..</a:t>
-            </a:r>
-            <a:r>
-              <a:rPr lang="en-AU" sz="3200" dirty="0"/>
-              <a:t>.</a:t>
+              <a:rPr lang="pl-PL" dirty="0"/>
+              <a:t>…</a:t>
             </a:r>
           </a:p>
           <a:p>
             <a:pPr algn="just"/>
             <a:r>
-              <a:rPr lang="pl-PL" sz="3200" dirty="0"/>
-              <a:t>..</a:t>
-            </a:r>
-            <a:r>
-              <a:rPr lang="en-AU" sz="3200" dirty="0"/>
-              <a:t>.</a:t>
+              <a:rPr lang="pl-PL" dirty="0"/>
+              <a:t>…</a:t>
             </a:r>
           </a:p>
           <a:p>
             <a:pPr algn="just"/>
             <a:r>
-              <a:rPr lang="pl-PL" sz="3200" dirty="0"/>
-              <a:t>..</a:t>
-            </a:r>
-            <a:r>
-              <a:rPr lang="en-AU" sz="3200" dirty="0"/>
-              <a:t>.</a:t>
-            </a:r>
-          </a:p>
-          <a:p>
-            <a:pPr algn="just"/>
-            <a:r>
-              <a:rPr lang="pl-PL" sz="3200" dirty="0"/>
-              <a:t>..</a:t>
-            </a:r>
-            <a:r>
-              <a:rPr lang="en-AU" sz="3200" dirty="0"/>
-              <a:t>.</a:t>
-            </a:r>
+              <a:rPr lang="pl-PL" dirty="0"/>
+              <a:t>…</a:t>
+            </a:r>
+            <a:endParaRPr lang="en-AU" dirty="0"/>
+          </a:p>
+          <a:p>
+            <a:endParaRPr lang="pl-PL" dirty="0"/>
           </a:p>
         </p:txBody>
       </p:sp>
@@ -6675,15 +6998,28 @@
                   <a:srgbClr val="FF6600"/>
                 </a:solidFill>
               </a:rPr>
-              <a:t>EDA Summary</a:t>
-            </a:r>
+              <a:t>EDA - Hypothesis no. </a:t>
+            </a:r>
+            <a:r>
+              <a:rPr lang="pl-PL" b="1" dirty="0">
+                <a:solidFill>
+                  <a:srgbClr val="FF6600"/>
+                </a:solidFill>
+              </a:rPr>
+              <a:t>…</a:t>
+            </a:r>
+            <a:endParaRPr lang="en-US" b="1" dirty="0">
+              <a:solidFill>
+                <a:srgbClr val="FF6600"/>
+              </a:solidFill>
+            </a:endParaRPr>
           </a:p>
         </p:txBody>
       </p:sp>
     </p:spTree>
     <p:extLst>
       <p:ext uri="{BB962C8B-B14F-4D97-AF65-F5344CB8AC3E}">
-        <p14:creationId xmlns:p14="http://schemas.microsoft.com/office/powerpoint/2010/main" val="3497837162"/>
+        <p14:creationId xmlns:p14="http://schemas.microsoft.com/office/powerpoint/2010/main" val="305963083"/>
       </p:ext>
     </p:extLst>
   </p:cSld>

--- a/Week_11/Presentation_EDA.pptx
+++ b/Week_11/Presentation_EDA.pptx
@@ -5,7 +5,7 @@
     <p:sldMasterId id="2147483684" r:id="rId1"/>
   </p:sldMasterIdLst>
   <p:notesMasterIdLst>
-    <p:notesMasterId r:id="rId15"/>
+    <p:notesMasterId r:id="rId19"/>
   </p:notesMasterIdLst>
   <p:sldIdLst>
     <p:sldId id="256" r:id="rId2"/>
@@ -16,11 +16,15 @@
     <p:sldId id="275" r:id="rId7"/>
     <p:sldId id="276" r:id="rId8"/>
     <p:sldId id="272" r:id="rId9"/>
-    <p:sldId id="285" r:id="rId10"/>
-    <p:sldId id="273" r:id="rId11"/>
-    <p:sldId id="274" r:id="rId12"/>
-    <p:sldId id="284" r:id="rId13"/>
-    <p:sldId id="268" r:id="rId14"/>
+    <p:sldId id="286" r:id="rId10"/>
+    <p:sldId id="292" r:id="rId11"/>
+    <p:sldId id="290" r:id="rId12"/>
+    <p:sldId id="291" r:id="rId13"/>
+    <p:sldId id="285" r:id="rId14"/>
+    <p:sldId id="273" r:id="rId15"/>
+    <p:sldId id="274" r:id="rId16"/>
+    <p:sldId id="284" r:id="rId17"/>
+    <p:sldId id="268" r:id="rId18"/>
   </p:sldIdLst>
   <p:sldSz cx="12192000" cy="6858000"/>
   <p:notesSz cx="6858000" cy="9144000"/>
@@ -1558,6 +1562,174 @@
     </a:lvl9pPr>
   </p:notesStyle>
 </p:notesMaster>
+</file>
+
+<file path=ppt/notesSlides/notesSlide1.xml><?xml version="1.0" encoding="utf-8"?>
+<p:notes xmlns:a="http://schemas.openxmlformats.org/drawingml/2006/main" xmlns:r="http://schemas.openxmlformats.org/officeDocument/2006/relationships" xmlns:p="http://schemas.openxmlformats.org/presentationml/2006/main">
+  <p:cSld>
+    <p:spTree>
+      <p:nvGrpSpPr>
+        <p:cNvPr id="1" name=""/>
+        <p:cNvGrpSpPr/>
+        <p:nvPr/>
+      </p:nvGrpSpPr>
+      <p:grpSpPr>
+        <a:xfrm>
+          <a:off x="0" y="0"/>
+          <a:ext cx="0" cy="0"/>
+          <a:chOff x="0" y="0"/>
+          <a:chExt cx="0" cy="0"/>
+        </a:xfrm>
+      </p:grpSpPr>
+      <p:sp>
+        <p:nvSpPr>
+          <p:cNvPr id="2" name="Slide Image Placeholder 1"/>
+          <p:cNvSpPr>
+            <a:spLocks noGrp="1" noRot="1" noChangeAspect="1"/>
+          </p:cNvSpPr>
+          <p:nvPr>
+            <p:ph type="sldImg"/>
+          </p:nvPr>
+        </p:nvSpPr>
+        <p:spPr/>
+      </p:sp>
+      <p:sp>
+        <p:nvSpPr>
+          <p:cNvPr id="3" name="Notes Placeholder 2"/>
+          <p:cNvSpPr>
+            <a:spLocks noGrp="1"/>
+          </p:cNvSpPr>
+          <p:nvPr>
+            <p:ph type="body" idx="1"/>
+          </p:nvPr>
+        </p:nvSpPr>
+        <p:spPr/>
+        <p:txBody>
+          <a:bodyPr/>
+          <a:lstStyle/>
+          <a:p>
+            <a:endParaRPr lang="en-US" dirty="0"/>
+          </a:p>
+        </p:txBody>
+      </p:sp>
+      <p:sp>
+        <p:nvSpPr>
+          <p:cNvPr id="4" name="Slide Number Placeholder 3"/>
+          <p:cNvSpPr>
+            <a:spLocks noGrp="1"/>
+          </p:cNvSpPr>
+          <p:nvPr>
+            <p:ph type="sldNum" sz="quarter" idx="5"/>
+          </p:nvPr>
+        </p:nvSpPr>
+        <p:spPr/>
+        <p:txBody>
+          <a:bodyPr/>
+          <a:lstStyle/>
+          <a:p>
+            <a:fld id="{45D38039-D5F5-4949-A49B-4447AEE3E6F0}" type="slidenum">
+              <a:rPr lang="en-US" smtClean="0"/>
+              <a:t>11</a:t>
+            </a:fld>
+            <a:endParaRPr lang="en-US"/>
+          </a:p>
+        </p:txBody>
+      </p:sp>
+    </p:spTree>
+    <p:extLst>
+      <p:ext uri="{BB962C8B-B14F-4D97-AF65-F5344CB8AC3E}">
+        <p14:creationId xmlns:p14="http://schemas.microsoft.com/office/powerpoint/2010/main" val="2062562574"/>
+      </p:ext>
+    </p:extLst>
+  </p:cSld>
+  <p:clrMapOvr>
+    <a:masterClrMapping/>
+  </p:clrMapOvr>
+</p:notes>
+</file>
+
+<file path=ppt/notesSlides/notesSlide2.xml><?xml version="1.0" encoding="utf-8"?>
+<p:notes xmlns:a="http://schemas.openxmlformats.org/drawingml/2006/main" xmlns:r="http://schemas.openxmlformats.org/officeDocument/2006/relationships" xmlns:p="http://schemas.openxmlformats.org/presentationml/2006/main">
+  <p:cSld>
+    <p:spTree>
+      <p:nvGrpSpPr>
+        <p:cNvPr id="1" name=""/>
+        <p:cNvGrpSpPr/>
+        <p:nvPr/>
+      </p:nvGrpSpPr>
+      <p:grpSpPr>
+        <a:xfrm>
+          <a:off x="0" y="0"/>
+          <a:ext cx="0" cy="0"/>
+          <a:chOff x="0" y="0"/>
+          <a:chExt cx="0" cy="0"/>
+        </a:xfrm>
+      </p:grpSpPr>
+      <p:sp>
+        <p:nvSpPr>
+          <p:cNvPr id="2" name="Slide Image Placeholder 1"/>
+          <p:cNvSpPr>
+            <a:spLocks noGrp="1" noRot="1" noChangeAspect="1"/>
+          </p:cNvSpPr>
+          <p:nvPr>
+            <p:ph type="sldImg"/>
+          </p:nvPr>
+        </p:nvSpPr>
+        <p:spPr/>
+      </p:sp>
+      <p:sp>
+        <p:nvSpPr>
+          <p:cNvPr id="3" name="Notes Placeholder 2"/>
+          <p:cNvSpPr>
+            <a:spLocks noGrp="1"/>
+          </p:cNvSpPr>
+          <p:nvPr>
+            <p:ph type="body" idx="1"/>
+          </p:nvPr>
+        </p:nvSpPr>
+        <p:spPr/>
+        <p:txBody>
+          <a:bodyPr/>
+          <a:lstStyle/>
+          <a:p>
+            <a:endParaRPr lang="en-US" dirty="0"/>
+          </a:p>
+        </p:txBody>
+      </p:sp>
+      <p:sp>
+        <p:nvSpPr>
+          <p:cNvPr id="4" name="Slide Number Placeholder 3"/>
+          <p:cNvSpPr>
+            <a:spLocks noGrp="1"/>
+          </p:cNvSpPr>
+          <p:nvPr>
+            <p:ph type="sldNum" sz="quarter" idx="5"/>
+          </p:nvPr>
+        </p:nvSpPr>
+        <p:spPr/>
+        <p:txBody>
+          <a:bodyPr/>
+          <a:lstStyle/>
+          <a:p>
+            <a:fld id="{45D38039-D5F5-4949-A49B-4447AEE3E6F0}" type="slidenum">
+              <a:rPr lang="en-US" smtClean="0"/>
+              <a:t>12</a:t>
+            </a:fld>
+            <a:endParaRPr lang="en-US"/>
+          </a:p>
+        </p:txBody>
+      </p:sp>
+    </p:spTree>
+    <p:extLst>
+      <p:ext uri="{BB962C8B-B14F-4D97-AF65-F5344CB8AC3E}">
+        <p14:creationId xmlns:p14="http://schemas.microsoft.com/office/powerpoint/2010/main" val="1502687991"/>
+      </p:ext>
+    </p:extLst>
+  </p:cSld>
+  <p:clrMapOvr>
+    <a:masterClrMapping/>
+  </p:clrMapOvr>
+</p:notes>
 </file>
 
 <file path=ppt/slideLayouts/slideLayout1.xml><?xml version="1.0" encoding="utf-8"?>
@@ -4639,8 +4811,8 @@
         </p:nvSpPr>
         <p:spPr>
           <a:xfrm>
-            <a:off x="838199" y="2090320"/>
-            <a:ext cx="10515600" cy="4351338"/>
+            <a:off x="446739" y="1393140"/>
+            <a:ext cx="11410719" cy="5327749"/>
           </a:xfrm>
         </p:spPr>
         <p:txBody>
@@ -4650,47 +4822,31 @@
           <a:lstStyle/>
           <a:p>
             <a:pPr algn="just"/>
-            <a:r>
-              <a:rPr lang="pl-PL" sz="3200" dirty="0"/>
-              <a:t>..</a:t>
-            </a:r>
-            <a:r>
-              <a:rPr lang="en-AU" sz="3200" dirty="0"/>
-              <a:t>.</a:t>
-            </a:r>
+            <a:endParaRPr lang="pl-PL" dirty="0"/>
           </a:p>
           <a:p>
             <a:pPr algn="just"/>
-            <a:r>
-              <a:rPr lang="pl-PL" sz="3200" dirty="0"/>
-              <a:t>..</a:t>
-            </a:r>
-            <a:r>
-              <a:rPr lang="en-AU" sz="3200" dirty="0"/>
-              <a:t>.</a:t>
-            </a:r>
+            <a:endParaRPr lang="pl-PL" dirty="0"/>
           </a:p>
           <a:p>
             <a:pPr algn="just"/>
-            <a:r>
-              <a:rPr lang="pl-PL" sz="3200" dirty="0"/>
-              <a:t>..</a:t>
-            </a:r>
-            <a:r>
-              <a:rPr lang="en-AU" sz="3200" dirty="0"/>
-              <a:t>.</a:t>
-            </a:r>
+            <a:endParaRPr lang="pl-PL" dirty="0"/>
           </a:p>
           <a:p>
             <a:pPr algn="just"/>
-            <a:r>
-              <a:rPr lang="pl-PL" sz="3200" dirty="0"/>
-              <a:t>..</a:t>
-            </a:r>
-            <a:r>
-              <a:rPr lang="en-AU" sz="3200" dirty="0"/>
-              <a:t>.</a:t>
-            </a:r>
+            <a:endParaRPr lang="pl-PL" dirty="0"/>
+          </a:p>
+          <a:p>
+            <a:pPr algn="just"/>
+            <a:endParaRPr lang="pl-PL" dirty="0"/>
+          </a:p>
+          <a:p>
+            <a:pPr algn="just"/>
+            <a:endParaRPr lang="pl-PL" dirty="0"/>
+          </a:p>
+          <a:p>
+            <a:pPr algn="just"/>
+            <a:endParaRPr lang="pl-PL" dirty="0"/>
           </a:p>
         </p:txBody>
       </p:sp>
@@ -4722,7 +4878,7 @@
         </p:spPr>
         <p:txBody>
           <a:bodyPr vert="vert270" lIns="91440" tIns="45720" rIns="91440" bIns="45720" rtlCol="0" anchor="ctr" anchorCtr="0">
-            <a:normAutofit/>
+            <a:normAutofit lnSpcReduction="10000"/>
           </a:bodyPr>
           <a:lstStyle>
             <a:lvl1pPr algn="l" defTabSz="914400" rtl="0" eaLnBrk="1" latinLnBrk="0" hangingPunct="1">
@@ -4751,15 +4907,117 @@
                   <a:srgbClr val="FF6600"/>
                 </a:solidFill>
               </a:rPr>
-              <a:t>EDA Summary</a:t>
-            </a:r>
-          </a:p>
-        </p:txBody>
-      </p:sp>
+              <a:t>EDA - Hypothesis no. 2</a:t>
+            </a:r>
+          </a:p>
+          <a:p>
+            <a:pPr algn="ctr"/>
+            <a:r>
+              <a:rPr lang="pl-PL" sz="3400" b="1" dirty="0">
+                <a:solidFill>
+                  <a:srgbClr val="FF6600"/>
+                </a:solidFill>
+              </a:rPr>
+              <a:t> „</a:t>
+            </a:r>
+            <a:r>
+              <a:rPr lang="en-US" sz="3400" b="1" dirty="0">
+                <a:solidFill>
+                  <a:srgbClr val="FF6600"/>
+                </a:solidFill>
+              </a:rPr>
+              <a:t> Most frequent risks</a:t>
+            </a:r>
+            <a:r>
+              <a:rPr lang="pl-PL" sz="3400" b="1" dirty="0">
+                <a:solidFill>
+                  <a:srgbClr val="FF6600"/>
+                </a:solidFill>
+              </a:rPr>
+              <a:t>”</a:t>
+            </a:r>
+            <a:endParaRPr lang="en-US" sz="3400" b="1" dirty="0">
+              <a:solidFill>
+                <a:srgbClr val="FF6600"/>
+              </a:solidFill>
+            </a:endParaRPr>
+          </a:p>
+        </p:txBody>
+      </p:sp>
+      <p:sp>
+        <p:nvSpPr>
+          <p:cNvPr id="2" name="TextBox 1">
+            <a:extLst>
+              <a:ext uri="{FF2B5EF4-FFF2-40B4-BE49-F238E27FC236}">
+                <a16:creationId xmlns:a16="http://schemas.microsoft.com/office/drawing/2014/main" id="{54593952-0983-4F47-9812-9069F76BD06A}"/>
+              </a:ext>
+            </a:extLst>
+          </p:cNvPr>
+          <p:cNvSpPr txBox="1"/>
+          <p:nvPr/>
+        </p:nvSpPr>
+        <p:spPr>
+          <a:xfrm>
+            <a:off x="6816755" y="2708756"/>
+            <a:ext cx="4599992" cy="1200329"/>
+          </a:xfrm>
+          <a:prstGeom prst="rect">
+            <a:avLst/>
+          </a:prstGeom>
+          <a:noFill/>
+        </p:spPr>
+        <p:txBody>
+          <a:bodyPr wrap="square" rtlCol="0">
+            <a:spAutoFit/>
+          </a:bodyPr>
+          <a:lstStyle/>
+          <a:p>
+            <a:pPr marL="285750" indent="-285750">
+              <a:buFont typeface="Arial" panose="020B0604020202020204" pitchFamily="34" charset="0"/>
+              <a:buChar char="•"/>
+            </a:pPr>
+            <a:r>
+              <a:rPr lang="en-US" dirty="0"/>
+              <a:t> As a general analysis, there are usually met at most 4 type of risk for each patient. In most cases, for each patient, there is just one risk met.</a:t>
+            </a:r>
+            <a:endParaRPr lang="pl-PL" dirty="0"/>
+          </a:p>
+        </p:txBody>
+      </p:sp>
+      <p:pic>
+        <p:nvPicPr>
+          <p:cNvPr id="7" name="Picture 6">
+            <a:extLst>
+              <a:ext uri="{FF2B5EF4-FFF2-40B4-BE49-F238E27FC236}">
+                <a16:creationId xmlns:a16="http://schemas.microsoft.com/office/drawing/2014/main" id="{ABE0FB49-4831-4675-AE6E-F6B0E00D6CF3}"/>
+              </a:ext>
+            </a:extLst>
+          </p:cNvPr>
+          <p:cNvPicPr>
+            <a:picLocks noChangeAspect="1"/>
+          </p:cNvPicPr>
+          <p:nvPr/>
+        </p:nvPicPr>
+        <p:blipFill>
+          <a:blip r:embed="rId2"/>
+          <a:stretch>
+            <a:fillRect/>
+          </a:stretch>
+        </p:blipFill>
+        <p:spPr>
+          <a:xfrm>
+            <a:off x="937338" y="1851385"/>
+            <a:ext cx="6191250" cy="3552825"/>
+          </a:xfrm>
+          <a:prstGeom prst="rect">
+            <a:avLst/>
+          </a:prstGeom>
+        </p:spPr>
+      </p:pic>
     </p:spTree>
     <p:extLst>
       <p:ext uri="{BB962C8B-B14F-4D97-AF65-F5344CB8AC3E}">
-        <p14:creationId xmlns:p14="http://schemas.microsoft.com/office/powerpoint/2010/main" val="3497837162"/>
+        <p14:creationId xmlns:p14="http://schemas.microsoft.com/office/powerpoint/2010/main" val="2450542382"/>
       </p:ext>
     </p:extLst>
   </p:cSld>
@@ -4804,36 +5062,44 @@
         </p:nvSpPr>
         <p:spPr>
           <a:xfrm>
-            <a:off x="477253" y="1392488"/>
-            <a:ext cx="11205410" cy="5285038"/>
+            <a:off x="446739" y="1393140"/>
+            <a:ext cx="11410719" cy="3962631"/>
           </a:xfrm>
         </p:spPr>
         <p:txBody>
           <a:bodyPr>
-            <a:noAutofit/>
+            <a:normAutofit/>
           </a:bodyPr>
           <a:lstStyle/>
           <a:p>
             <a:pPr algn="just"/>
-            <a:r>
-              <a:rPr lang="pl-PL" sz="2000" dirty="0"/>
-              <a:t>…</a:t>
-            </a:r>
+            <a:endParaRPr lang="pl-PL" dirty="0"/>
           </a:p>
           <a:p>
             <a:pPr algn="just"/>
-            <a:r>
-              <a:rPr lang="pl-PL" sz="2000" dirty="0"/>
-              <a:t>…</a:t>
-            </a:r>
+            <a:endParaRPr lang="pl-PL" dirty="0"/>
           </a:p>
           <a:p>
             <a:pPr algn="just"/>
-            <a:r>
-              <a:rPr lang="pl-PL" sz="2000" dirty="0"/>
-              <a:t>…</a:t>
-            </a:r>
-            <a:endParaRPr lang="en-US" sz="900" dirty="0"/>
+            <a:endParaRPr lang="pl-PL" dirty="0"/>
+          </a:p>
+          <a:p>
+            <a:pPr algn="just"/>
+            <a:endParaRPr lang="pl-PL" dirty="0"/>
+          </a:p>
+          <a:p>
+            <a:pPr algn="just"/>
+            <a:endParaRPr lang="pl-PL" dirty="0"/>
+          </a:p>
+          <a:p>
+            <a:pPr algn="just"/>
+            <a:endParaRPr lang="pl-PL" dirty="0"/>
+          </a:p>
+          <a:p>
+            <a:pPr marL="0" indent="0" algn="just">
+              <a:buNone/>
+            </a:pPr>
+            <a:endParaRPr lang="pl-PL" dirty="0"/>
           </a:p>
         </p:txBody>
       </p:sp>
@@ -4865,7 +5131,7 @@
         </p:spPr>
         <p:txBody>
           <a:bodyPr vert="vert270" lIns="91440" tIns="45720" rIns="91440" bIns="45720" rtlCol="0" anchor="ctr" anchorCtr="0">
-            <a:normAutofit/>
+            <a:normAutofit lnSpcReduction="10000"/>
           </a:bodyPr>
           <a:lstStyle>
             <a:lvl1pPr algn="l" defTabSz="914400" rtl="0" eaLnBrk="1" latinLnBrk="0" hangingPunct="1">
@@ -4894,7 +5160,136 @@
                   <a:srgbClr val="FF6600"/>
                 </a:solidFill>
               </a:rPr>
-              <a:t>Recommendations</a:t>
+              <a:t>EDA - Hypothesis no. 2</a:t>
+            </a:r>
+          </a:p>
+          <a:p>
+            <a:pPr algn="ctr"/>
+            <a:r>
+              <a:rPr lang="pl-PL" sz="3400" b="1" dirty="0">
+                <a:solidFill>
+                  <a:srgbClr val="FF6600"/>
+                </a:solidFill>
+              </a:rPr>
+              <a:t> „</a:t>
+            </a:r>
+            <a:r>
+              <a:rPr lang="en-US" sz="3400" b="1" dirty="0">
+                <a:solidFill>
+                  <a:srgbClr val="FF6600"/>
+                </a:solidFill>
+              </a:rPr>
+              <a:t> Most frequent risks</a:t>
+            </a:r>
+            <a:r>
+              <a:rPr lang="pl-PL" sz="3400" b="1" dirty="0">
+                <a:solidFill>
+                  <a:srgbClr val="FF6600"/>
+                </a:solidFill>
+              </a:rPr>
+              <a:t>”</a:t>
+            </a:r>
+            <a:endParaRPr lang="en-US" sz="3400" b="1" dirty="0">
+              <a:solidFill>
+                <a:srgbClr val="FF6600"/>
+              </a:solidFill>
+            </a:endParaRPr>
+          </a:p>
+        </p:txBody>
+      </p:sp>
+      <p:pic>
+        <p:nvPicPr>
+          <p:cNvPr id="8" name="Picture 7">
+            <a:extLst>
+              <a:ext uri="{FF2B5EF4-FFF2-40B4-BE49-F238E27FC236}">
+                <a16:creationId xmlns:a16="http://schemas.microsoft.com/office/drawing/2014/main" id="{20294E18-5F6F-4050-8701-5238C5EBAD25}"/>
+              </a:ext>
+            </a:extLst>
+          </p:cNvPr>
+          <p:cNvPicPr>
+            <a:picLocks noChangeAspect="1"/>
+          </p:cNvPicPr>
+          <p:nvPr/>
+        </p:nvPicPr>
+        <p:blipFill rotWithShape="1">
+          <a:blip r:embed="rId3"/>
+          <a:srcRect t="-650" b="45053"/>
+          <a:stretch/>
+        </p:blipFill>
+        <p:spPr>
+          <a:xfrm>
+            <a:off x="1250302" y="1411916"/>
+            <a:ext cx="5638800" cy="3738697"/>
+          </a:xfrm>
+          <a:prstGeom prst="rect">
+            <a:avLst/>
+          </a:prstGeom>
+        </p:spPr>
+      </p:pic>
+      <p:pic>
+        <p:nvPicPr>
+          <p:cNvPr id="11" name="Picture 10">
+            <a:extLst>
+              <a:ext uri="{FF2B5EF4-FFF2-40B4-BE49-F238E27FC236}">
+                <a16:creationId xmlns:a16="http://schemas.microsoft.com/office/drawing/2014/main" id="{55F5C0AC-8EB0-4D7D-A3DD-54001E86B60F}"/>
+              </a:ext>
+            </a:extLst>
+          </p:cNvPr>
+          <p:cNvPicPr>
+            <a:picLocks noChangeAspect="1"/>
+          </p:cNvPicPr>
+          <p:nvPr/>
+        </p:nvPicPr>
+        <p:blipFill rotWithShape="1">
+          <a:blip r:embed="rId3"/>
+          <a:srcRect l="-331" t="54435" r="331" b="-10032"/>
+          <a:stretch/>
+        </p:blipFill>
+        <p:spPr>
+          <a:xfrm>
+            <a:off x="6405270" y="2086715"/>
+            <a:ext cx="5638800" cy="3738697"/>
+          </a:xfrm>
+          <a:prstGeom prst="rect">
+            <a:avLst/>
+          </a:prstGeom>
+        </p:spPr>
+      </p:pic>
+      <p:sp>
+        <p:nvSpPr>
+          <p:cNvPr id="14" name="TextBox 13">
+            <a:extLst>
+              <a:ext uri="{FF2B5EF4-FFF2-40B4-BE49-F238E27FC236}">
+                <a16:creationId xmlns:a16="http://schemas.microsoft.com/office/drawing/2014/main" id="{CE9516A2-B1E7-492C-B7A5-718364965D9C}"/>
+              </a:ext>
+            </a:extLst>
+          </p:cNvPr>
+          <p:cNvSpPr txBox="1"/>
+          <p:nvPr/>
+        </p:nvSpPr>
+        <p:spPr>
+          <a:xfrm>
+            <a:off x="1371600" y="5303966"/>
+            <a:ext cx="9265298" cy="923330"/>
+          </a:xfrm>
+          <a:prstGeom prst="rect">
+            <a:avLst/>
+          </a:prstGeom>
+          <a:noFill/>
+        </p:spPr>
+        <p:txBody>
+          <a:bodyPr wrap="square" rtlCol="0">
+            <a:spAutoFit/>
+          </a:bodyPr>
+          <a:lstStyle/>
+          <a:p>
+            <a:pPr marL="285750" indent="-285750">
+              <a:buFont typeface="Arial" panose="020B0604020202020204" pitchFamily="34" charset="0"/>
+              <a:buChar char="•"/>
+            </a:pPr>
+            <a:r>
+              <a:rPr lang="en-US" dirty="0"/>
+              <a:t>This graph shows for how many patients each kind of risk is met. It can be concluded that risk of Vitamin D insufficiency, along with risk of smoking tobacco and risk of chronic malnutrition or malabsorption are the among the most frequent risks.</a:t>
             </a:r>
           </a:p>
         </p:txBody>
@@ -4902,7 +5297,7 @@
     </p:spTree>
     <p:extLst>
       <p:ext uri="{BB962C8B-B14F-4D97-AF65-F5344CB8AC3E}">
-        <p14:creationId xmlns:p14="http://schemas.microsoft.com/office/powerpoint/2010/main" val="481083618"/>
+        <p14:creationId xmlns:p14="http://schemas.microsoft.com/office/powerpoint/2010/main" val="932615590"/>
       </p:ext>
     </p:extLst>
   </p:cSld>
@@ -4947,49 +5342,310 @@
         </p:nvSpPr>
         <p:spPr>
           <a:xfrm>
-            <a:off x="477252" y="1296232"/>
-            <a:ext cx="11193379" cy="4226263"/>
+            <a:off x="446739" y="1393140"/>
+            <a:ext cx="11410719" cy="3962631"/>
           </a:xfrm>
         </p:spPr>
         <p:txBody>
           <a:bodyPr>
-            <a:noAutofit/>
+            <a:normAutofit/>
           </a:bodyPr>
           <a:lstStyle/>
           <a:p>
             <a:pPr algn="just"/>
-            <a:r>
-              <a:rPr lang="en-US" sz="2300" dirty="0"/>
-              <a:t>Following modeling techniques should be consider for this assignment:</a:t>
-            </a:r>
-          </a:p>
-          <a:p>
-            <a:pPr lvl="1" algn="just"/>
-            <a:r>
-              <a:rPr lang="en-US" sz="1900" dirty="0"/>
-              <a:t>Decision Trees</a:t>
-            </a:r>
-          </a:p>
-          <a:p>
-            <a:pPr lvl="1" algn="just"/>
-            <a:r>
-              <a:rPr lang="en-US" sz="1900" dirty="0"/>
-              <a:t>K-Nearest Neighbors</a:t>
-            </a:r>
-          </a:p>
-          <a:p>
-            <a:pPr lvl="1" algn="just"/>
-            <a:r>
-              <a:rPr lang="en-US" sz="1900" dirty="0"/>
-              <a:t>Logistic Regression</a:t>
-            </a:r>
-          </a:p>
-          <a:p>
-            <a:pPr lvl="1" algn="just"/>
-            <a:r>
-              <a:rPr lang="en-US" sz="1900" dirty="0"/>
-              <a:t>SVM (Support Vector Machines)</a:t>
-            </a:r>
+            <a:endParaRPr lang="pl-PL" dirty="0"/>
+          </a:p>
+          <a:p>
+            <a:pPr algn="just"/>
+            <a:endParaRPr lang="pl-PL" dirty="0"/>
+          </a:p>
+          <a:p>
+            <a:pPr algn="just"/>
+            <a:endParaRPr lang="pl-PL" dirty="0"/>
+          </a:p>
+          <a:p>
+            <a:pPr algn="just"/>
+            <a:endParaRPr lang="pl-PL" dirty="0"/>
+          </a:p>
+          <a:p>
+            <a:pPr algn="just"/>
+            <a:endParaRPr lang="pl-PL" dirty="0"/>
+          </a:p>
+          <a:p>
+            <a:pPr algn="just"/>
+            <a:endParaRPr lang="pl-PL" dirty="0"/>
+          </a:p>
+          <a:p>
+            <a:pPr marL="0" indent="0" algn="just">
+              <a:buNone/>
+            </a:pPr>
+            <a:endParaRPr lang="pl-PL" dirty="0"/>
+          </a:p>
+        </p:txBody>
+      </p:sp>
+      <p:sp>
+        <p:nvSpPr>
+          <p:cNvPr id="4" name="Title 1">
+            <a:extLst>
+              <a:ext uri="{FF2B5EF4-FFF2-40B4-BE49-F238E27FC236}">
+                <a16:creationId xmlns:a16="http://schemas.microsoft.com/office/drawing/2014/main" id="{F0FEE1CD-BF08-48FA-8526-5BEB92660675}"/>
+              </a:ext>
+            </a:extLst>
+          </p:cNvPr>
+          <p:cNvSpPr txBox="1">
+            <a:spLocks/>
+          </p:cNvSpPr>
+          <p:nvPr/>
+        </p:nvSpPr>
+        <p:spPr>
+          <a:xfrm rot="5400000">
+            <a:off x="5488404" y="-5488406"/>
+            <a:ext cx="1215190" cy="12192001"/>
+          </a:xfrm>
+          <a:prstGeom prst="rect">
+            <a:avLst/>
+          </a:prstGeom>
+          <a:solidFill>
+            <a:srgbClr val="3B3B3B"/>
+          </a:solidFill>
+        </p:spPr>
+        <p:txBody>
+          <a:bodyPr vert="vert270" lIns="91440" tIns="45720" rIns="91440" bIns="45720" rtlCol="0" anchor="ctr" anchorCtr="0">
+            <a:normAutofit lnSpcReduction="10000"/>
+          </a:bodyPr>
+          <a:lstStyle>
+            <a:lvl1pPr algn="l" defTabSz="914400" rtl="0" eaLnBrk="1" latinLnBrk="0" hangingPunct="1">
+              <a:lnSpc>
+                <a:spcPct val="90000"/>
+              </a:lnSpc>
+              <a:spcBef>
+                <a:spcPct val="0"/>
+              </a:spcBef>
+              <a:buNone/>
+              <a:defRPr sz="4400" kern="1200">
+                <a:solidFill>
+                  <a:schemeClr val="tx1"/>
+                </a:solidFill>
+                <a:latin typeface="+mj-lt"/>
+                <a:ea typeface="+mj-ea"/>
+                <a:cs typeface="+mj-cs"/>
+              </a:defRPr>
+            </a:lvl1pPr>
+          </a:lstStyle>
+          <a:p>
+            <a:pPr algn="ctr"/>
+            <a:r>
+              <a:rPr lang="en-US" b="1" dirty="0">
+                <a:solidFill>
+                  <a:srgbClr val="FF6600"/>
+                </a:solidFill>
+              </a:rPr>
+              <a:t>EDA - Hypothesis no. 2</a:t>
+            </a:r>
+          </a:p>
+          <a:p>
+            <a:pPr algn="ctr"/>
+            <a:r>
+              <a:rPr lang="pl-PL" sz="3400" b="1" dirty="0">
+                <a:solidFill>
+                  <a:srgbClr val="FF6600"/>
+                </a:solidFill>
+              </a:rPr>
+              <a:t> „</a:t>
+            </a:r>
+            <a:r>
+              <a:rPr lang="en-US" sz="3400" b="1" dirty="0">
+                <a:solidFill>
+                  <a:srgbClr val="FF6600"/>
+                </a:solidFill>
+              </a:rPr>
+              <a:t> Most frequent risks</a:t>
+            </a:r>
+            <a:r>
+              <a:rPr lang="pl-PL" sz="3400" b="1" dirty="0">
+                <a:solidFill>
+                  <a:srgbClr val="FF6600"/>
+                </a:solidFill>
+              </a:rPr>
+              <a:t>”</a:t>
+            </a:r>
+            <a:endParaRPr lang="en-US" sz="3400" b="1" dirty="0">
+              <a:solidFill>
+                <a:srgbClr val="FF6600"/>
+              </a:solidFill>
+            </a:endParaRPr>
+          </a:p>
+        </p:txBody>
+      </p:sp>
+      <p:sp>
+        <p:nvSpPr>
+          <p:cNvPr id="14" name="TextBox 13">
+            <a:extLst>
+              <a:ext uri="{FF2B5EF4-FFF2-40B4-BE49-F238E27FC236}">
+                <a16:creationId xmlns:a16="http://schemas.microsoft.com/office/drawing/2014/main" id="{CE9516A2-B1E7-492C-B7A5-718364965D9C}"/>
+              </a:ext>
+            </a:extLst>
+          </p:cNvPr>
+          <p:cNvSpPr txBox="1"/>
+          <p:nvPr/>
+        </p:nvSpPr>
+        <p:spPr>
+          <a:xfrm>
+            <a:off x="1334276" y="5355771"/>
+            <a:ext cx="10039739" cy="646331"/>
+          </a:xfrm>
+          <a:prstGeom prst="rect">
+            <a:avLst/>
+          </a:prstGeom>
+          <a:noFill/>
+        </p:spPr>
+        <p:txBody>
+          <a:bodyPr wrap="square" rtlCol="0">
+            <a:spAutoFit/>
+          </a:bodyPr>
+          <a:lstStyle/>
+          <a:p>
+            <a:r>
+              <a:rPr lang="en-US" dirty="0"/>
+              <a:t>There are also 2 types of risks:  during Rx and before mycobacteria (NTM) treatment, that have other categorical values and are among the most frequent risks. </a:t>
+            </a:r>
+          </a:p>
+        </p:txBody>
+      </p:sp>
+      <p:pic>
+        <p:nvPicPr>
+          <p:cNvPr id="7" name="Picture 6">
+            <a:extLst>
+              <a:ext uri="{FF2B5EF4-FFF2-40B4-BE49-F238E27FC236}">
+                <a16:creationId xmlns:a16="http://schemas.microsoft.com/office/drawing/2014/main" id="{E19BD214-C7B9-442B-B141-20AD7E7F0F3C}"/>
+              </a:ext>
+            </a:extLst>
+          </p:cNvPr>
+          <p:cNvPicPr>
+            <a:picLocks noChangeAspect="1"/>
+          </p:cNvPicPr>
+          <p:nvPr/>
+        </p:nvPicPr>
+        <p:blipFill>
+          <a:blip r:embed="rId3"/>
+          <a:stretch>
+            <a:fillRect/>
+          </a:stretch>
+        </p:blipFill>
+        <p:spPr>
+          <a:xfrm>
+            <a:off x="1501937" y="1393140"/>
+            <a:ext cx="4404340" cy="3773135"/>
+          </a:xfrm>
+          <a:prstGeom prst="rect">
+            <a:avLst/>
+          </a:prstGeom>
+        </p:spPr>
+      </p:pic>
+      <p:pic>
+        <p:nvPicPr>
+          <p:cNvPr id="5" name="Picture 4">
+            <a:extLst>
+              <a:ext uri="{FF2B5EF4-FFF2-40B4-BE49-F238E27FC236}">
+                <a16:creationId xmlns:a16="http://schemas.microsoft.com/office/drawing/2014/main" id="{1C6B99D4-14E1-4029-9526-5420A573F33A}"/>
+              </a:ext>
+            </a:extLst>
+          </p:cNvPr>
+          <p:cNvPicPr>
+            <a:picLocks noChangeAspect="1"/>
+          </p:cNvPicPr>
+          <p:nvPr/>
+        </p:nvPicPr>
+        <p:blipFill>
+          <a:blip r:embed="rId4"/>
+          <a:stretch>
+            <a:fillRect/>
+          </a:stretch>
+        </p:blipFill>
+        <p:spPr>
+          <a:xfrm>
+            <a:off x="6672796" y="1393140"/>
+            <a:ext cx="4915823" cy="3629284"/>
+          </a:xfrm>
+          <a:prstGeom prst="rect">
+            <a:avLst/>
+          </a:prstGeom>
+        </p:spPr>
+      </p:pic>
+    </p:spTree>
+    <p:extLst>
+      <p:ext uri="{BB962C8B-B14F-4D97-AF65-F5344CB8AC3E}">
+        <p14:creationId xmlns:p14="http://schemas.microsoft.com/office/powerpoint/2010/main" val="3823268150"/>
+      </p:ext>
+    </p:extLst>
+  </p:cSld>
+  <p:clrMapOvr>
+    <a:masterClrMapping/>
+  </p:clrMapOvr>
+</p:sld>
+</file>
+
+<file path=ppt/slides/slide13.xml><?xml version="1.0" encoding="utf-8"?>
+<p:sld xmlns:a="http://schemas.openxmlformats.org/drawingml/2006/main" xmlns:r="http://schemas.openxmlformats.org/officeDocument/2006/relationships" xmlns:p="http://schemas.openxmlformats.org/presentationml/2006/main">
+  <p:cSld>
+    <p:spTree>
+      <p:nvGrpSpPr>
+        <p:cNvPr id="1" name=""/>
+        <p:cNvGrpSpPr/>
+        <p:nvPr/>
+      </p:nvGrpSpPr>
+      <p:grpSpPr>
+        <a:xfrm>
+          <a:off x="0" y="0"/>
+          <a:ext cx="0" cy="0"/>
+          <a:chOff x="0" y="0"/>
+          <a:chExt cx="0" cy="0"/>
+        </a:xfrm>
+      </p:grpSpPr>
+      <p:sp>
+        <p:nvSpPr>
+          <p:cNvPr id="3" name="Symbol zastępczy zawartości 2">
+            <a:extLst>
+              <a:ext uri="{FF2B5EF4-FFF2-40B4-BE49-F238E27FC236}">
+                <a16:creationId xmlns:a16="http://schemas.microsoft.com/office/drawing/2014/main" id="{CDC6F948-2F33-47A0-AE55-62E355ACC532}"/>
+              </a:ext>
+            </a:extLst>
+          </p:cNvPr>
+          <p:cNvSpPr>
+            <a:spLocks noGrp="1"/>
+          </p:cNvSpPr>
+          <p:nvPr>
+            <p:ph idx="1"/>
+          </p:nvPr>
+        </p:nvSpPr>
+        <p:spPr>
+          <a:xfrm>
+            <a:off x="446740" y="1393140"/>
+            <a:ext cx="11298518" cy="5327749"/>
+          </a:xfrm>
+        </p:spPr>
+        <p:txBody>
+          <a:bodyPr>
+            <a:normAutofit/>
+          </a:bodyPr>
+          <a:lstStyle/>
+          <a:p>
+            <a:pPr algn="just"/>
+            <a:r>
+              <a:rPr lang="pl-PL" dirty="0"/>
+              <a:t>…</a:t>
+            </a:r>
+          </a:p>
+          <a:p>
+            <a:pPr algn="just"/>
+            <a:r>
+              <a:rPr lang="pl-PL" dirty="0"/>
+              <a:t>…</a:t>
+            </a:r>
+            <a:endParaRPr lang="en-AU" dirty="0"/>
+          </a:p>
+          <a:p>
+            <a:endParaRPr lang="pl-PL" dirty="0"/>
           </a:p>
         </p:txBody>
       </p:sp>
@@ -5045,6 +5701,475 @@
           <a:p>
             <a:pPr algn="ctr"/>
             <a:r>
+              <a:rPr lang="en-US" b="1" dirty="0">
+                <a:solidFill>
+                  <a:srgbClr val="FF6600"/>
+                </a:solidFill>
+              </a:rPr>
+              <a:t>EDA - Hypothesis no. </a:t>
+            </a:r>
+            <a:r>
+              <a:rPr lang="pl-PL" b="1" dirty="0">
+                <a:solidFill>
+                  <a:srgbClr val="FF6600"/>
+                </a:solidFill>
+              </a:rPr>
+              <a:t>…</a:t>
+            </a:r>
+            <a:endParaRPr lang="en-US" b="1" dirty="0">
+              <a:solidFill>
+                <a:srgbClr val="FF6600"/>
+              </a:solidFill>
+            </a:endParaRPr>
+          </a:p>
+        </p:txBody>
+      </p:sp>
+    </p:spTree>
+    <p:extLst>
+      <p:ext uri="{BB962C8B-B14F-4D97-AF65-F5344CB8AC3E}">
+        <p14:creationId xmlns:p14="http://schemas.microsoft.com/office/powerpoint/2010/main" val="305963083"/>
+      </p:ext>
+    </p:extLst>
+  </p:cSld>
+  <p:clrMapOvr>
+    <a:masterClrMapping/>
+  </p:clrMapOvr>
+</p:sld>
+</file>
+
+<file path=ppt/slides/slide14.xml><?xml version="1.0" encoding="utf-8"?>
+<p:sld xmlns:a="http://schemas.openxmlformats.org/drawingml/2006/main" xmlns:r="http://schemas.openxmlformats.org/officeDocument/2006/relationships" xmlns:p="http://schemas.openxmlformats.org/presentationml/2006/main">
+  <p:cSld>
+    <p:spTree>
+      <p:nvGrpSpPr>
+        <p:cNvPr id="1" name=""/>
+        <p:cNvGrpSpPr/>
+        <p:nvPr/>
+      </p:nvGrpSpPr>
+      <p:grpSpPr>
+        <a:xfrm>
+          <a:off x="0" y="0"/>
+          <a:ext cx="0" cy="0"/>
+          <a:chOff x="0" y="0"/>
+          <a:chExt cx="0" cy="0"/>
+        </a:xfrm>
+      </p:grpSpPr>
+      <p:sp>
+        <p:nvSpPr>
+          <p:cNvPr id="3" name="Symbol zastępczy zawartości 2">
+            <a:extLst>
+              <a:ext uri="{FF2B5EF4-FFF2-40B4-BE49-F238E27FC236}">
+                <a16:creationId xmlns:a16="http://schemas.microsoft.com/office/drawing/2014/main" id="{CDC6F948-2F33-47A0-AE55-62E355ACC532}"/>
+              </a:ext>
+            </a:extLst>
+          </p:cNvPr>
+          <p:cNvSpPr>
+            <a:spLocks noGrp="1"/>
+          </p:cNvSpPr>
+          <p:nvPr>
+            <p:ph idx="1"/>
+          </p:nvPr>
+        </p:nvSpPr>
+        <p:spPr>
+          <a:xfrm>
+            <a:off x="838199" y="2090320"/>
+            <a:ext cx="10515600" cy="4351338"/>
+          </a:xfrm>
+        </p:spPr>
+        <p:txBody>
+          <a:bodyPr>
+            <a:normAutofit/>
+          </a:bodyPr>
+          <a:lstStyle/>
+          <a:p>
+            <a:pPr algn="just"/>
+            <a:r>
+              <a:rPr lang="pl-PL" sz="3200" dirty="0"/>
+              <a:t>..</a:t>
+            </a:r>
+            <a:r>
+              <a:rPr lang="en-AU" sz="3200" dirty="0"/>
+              <a:t>.</a:t>
+            </a:r>
+          </a:p>
+          <a:p>
+            <a:pPr algn="just"/>
+            <a:r>
+              <a:rPr lang="en-US" sz="2000" dirty="0"/>
+              <a:t>Most of the patients had no side effects, but they neither improved their condition.</a:t>
+            </a:r>
+          </a:p>
+          <a:p>
+            <a:pPr algn="just"/>
+            <a:r>
+              <a:rPr lang="en-US" sz="2000" dirty="0"/>
+              <a:t>The most frequent risks are usually among :Vitamin D insufficiency, risk of smoking tobacco, risk of chronic malnutrition or malabsorption, risks during Rx and before mycobacteria (NTM) treatment.</a:t>
+            </a:r>
+          </a:p>
+          <a:p>
+            <a:pPr algn="just"/>
+            <a:r>
+              <a:rPr lang="en-US" sz="3200" dirty="0"/>
+              <a:t>….</a:t>
+            </a:r>
+          </a:p>
+          <a:p>
+            <a:pPr algn="just"/>
+            <a:endParaRPr lang="en-AU" sz="3200" dirty="0"/>
+          </a:p>
+        </p:txBody>
+      </p:sp>
+      <p:sp>
+        <p:nvSpPr>
+          <p:cNvPr id="4" name="Title 1">
+            <a:extLst>
+              <a:ext uri="{FF2B5EF4-FFF2-40B4-BE49-F238E27FC236}">
+                <a16:creationId xmlns:a16="http://schemas.microsoft.com/office/drawing/2014/main" id="{F0FEE1CD-BF08-48FA-8526-5BEB92660675}"/>
+              </a:ext>
+            </a:extLst>
+          </p:cNvPr>
+          <p:cNvSpPr txBox="1">
+            <a:spLocks/>
+          </p:cNvSpPr>
+          <p:nvPr/>
+        </p:nvSpPr>
+        <p:spPr>
+          <a:xfrm rot="5400000">
+            <a:off x="5488404" y="-5488406"/>
+            <a:ext cx="1215190" cy="12192001"/>
+          </a:xfrm>
+          <a:prstGeom prst="rect">
+            <a:avLst/>
+          </a:prstGeom>
+          <a:solidFill>
+            <a:srgbClr val="3B3B3B"/>
+          </a:solidFill>
+        </p:spPr>
+        <p:txBody>
+          <a:bodyPr vert="vert270" lIns="91440" tIns="45720" rIns="91440" bIns="45720" rtlCol="0" anchor="ctr" anchorCtr="0">
+            <a:normAutofit/>
+          </a:bodyPr>
+          <a:lstStyle>
+            <a:lvl1pPr algn="l" defTabSz="914400" rtl="0" eaLnBrk="1" latinLnBrk="0" hangingPunct="1">
+              <a:lnSpc>
+                <a:spcPct val="90000"/>
+              </a:lnSpc>
+              <a:spcBef>
+                <a:spcPct val="0"/>
+              </a:spcBef>
+              <a:buNone/>
+              <a:defRPr sz="4400" kern="1200">
+                <a:solidFill>
+                  <a:schemeClr val="tx1"/>
+                </a:solidFill>
+                <a:latin typeface="+mj-lt"/>
+                <a:ea typeface="+mj-ea"/>
+                <a:cs typeface="+mj-cs"/>
+              </a:defRPr>
+            </a:lvl1pPr>
+          </a:lstStyle>
+          <a:p>
+            <a:pPr algn="ctr"/>
+            <a:r>
+              <a:rPr lang="en-US" b="1" dirty="0">
+                <a:solidFill>
+                  <a:srgbClr val="FF6600"/>
+                </a:solidFill>
+              </a:rPr>
+              <a:t>EDA Summary</a:t>
+            </a:r>
+          </a:p>
+        </p:txBody>
+      </p:sp>
+    </p:spTree>
+    <p:extLst>
+      <p:ext uri="{BB962C8B-B14F-4D97-AF65-F5344CB8AC3E}">
+        <p14:creationId xmlns:p14="http://schemas.microsoft.com/office/powerpoint/2010/main" val="3497837162"/>
+      </p:ext>
+    </p:extLst>
+  </p:cSld>
+  <p:clrMapOvr>
+    <a:masterClrMapping/>
+  </p:clrMapOvr>
+</p:sld>
+</file>
+
+<file path=ppt/slides/slide15.xml><?xml version="1.0" encoding="utf-8"?>
+<p:sld xmlns:a="http://schemas.openxmlformats.org/drawingml/2006/main" xmlns:r="http://schemas.openxmlformats.org/officeDocument/2006/relationships" xmlns:p="http://schemas.openxmlformats.org/presentationml/2006/main">
+  <p:cSld>
+    <p:spTree>
+      <p:nvGrpSpPr>
+        <p:cNvPr id="1" name=""/>
+        <p:cNvGrpSpPr/>
+        <p:nvPr/>
+      </p:nvGrpSpPr>
+      <p:grpSpPr>
+        <a:xfrm>
+          <a:off x="0" y="0"/>
+          <a:ext cx="0" cy="0"/>
+          <a:chOff x="0" y="0"/>
+          <a:chExt cx="0" cy="0"/>
+        </a:xfrm>
+      </p:grpSpPr>
+      <p:sp>
+        <p:nvSpPr>
+          <p:cNvPr id="3" name="Symbol zastępczy zawartości 2">
+            <a:extLst>
+              <a:ext uri="{FF2B5EF4-FFF2-40B4-BE49-F238E27FC236}">
+                <a16:creationId xmlns:a16="http://schemas.microsoft.com/office/drawing/2014/main" id="{CDC6F948-2F33-47A0-AE55-62E355ACC532}"/>
+              </a:ext>
+            </a:extLst>
+          </p:cNvPr>
+          <p:cNvSpPr>
+            <a:spLocks noGrp="1"/>
+          </p:cNvSpPr>
+          <p:nvPr>
+            <p:ph idx="1"/>
+          </p:nvPr>
+        </p:nvSpPr>
+        <p:spPr>
+          <a:xfrm>
+            <a:off x="477253" y="1392488"/>
+            <a:ext cx="11205410" cy="5285038"/>
+          </a:xfrm>
+        </p:spPr>
+        <p:txBody>
+          <a:bodyPr>
+            <a:noAutofit/>
+          </a:bodyPr>
+          <a:lstStyle/>
+          <a:p>
+            <a:pPr algn="just"/>
+            <a:r>
+              <a:rPr lang="pl-PL" sz="2000" dirty="0"/>
+              <a:t>…</a:t>
+            </a:r>
+          </a:p>
+          <a:p>
+            <a:pPr algn="just"/>
+            <a:r>
+              <a:rPr lang="pl-PL" sz="2000" dirty="0"/>
+              <a:t>…</a:t>
+            </a:r>
+          </a:p>
+          <a:p>
+            <a:pPr algn="just"/>
+            <a:r>
+              <a:rPr lang="pl-PL" sz="2000" dirty="0"/>
+              <a:t>…</a:t>
+            </a:r>
+            <a:endParaRPr lang="en-US" sz="900" dirty="0"/>
+          </a:p>
+        </p:txBody>
+      </p:sp>
+      <p:sp>
+        <p:nvSpPr>
+          <p:cNvPr id="4" name="Title 1">
+            <a:extLst>
+              <a:ext uri="{FF2B5EF4-FFF2-40B4-BE49-F238E27FC236}">
+                <a16:creationId xmlns:a16="http://schemas.microsoft.com/office/drawing/2014/main" id="{F0FEE1CD-BF08-48FA-8526-5BEB92660675}"/>
+              </a:ext>
+            </a:extLst>
+          </p:cNvPr>
+          <p:cNvSpPr txBox="1">
+            <a:spLocks/>
+          </p:cNvSpPr>
+          <p:nvPr/>
+        </p:nvSpPr>
+        <p:spPr>
+          <a:xfrm rot="5400000">
+            <a:off x="5488404" y="-5488406"/>
+            <a:ext cx="1215190" cy="12192001"/>
+          </a:xfrm>
+          <a:prstGeom prst="rect">
+            <a:avLst/>
+          </a:prstGeom>
+          <a:solidFill>
+            <a:srgbClr val="3B3B3B"/>
+          </a:solidFill>
+        </p:spPr>
+        <p:txBody>
+          <a:bodyPr vert="vert270" lIns="91440" tIns="45720" rIns="91440" bIns="45720" rtlCol="0" anchor="ctr" anchorCtr="0">
+            <a:normAutofit/>
+          </a:bodyPr>
+          <a:lstStyle>
+            <a:lvl1pPr algn="l" defTabSz="914400" rtl="0" eaLnBrk="1" latinLnBrk="0" hangingPunct="1">
+              <a:lnSpc>
+                <a:spcPct val="90000"/>
+              </a:lnSpc>
+              <a:spcBef>
+                <a:spcPct val="0"/>
+              </a:spcBef>
+              <a:buNone/>
+              <a:defRPr sz="4400" kern="1200">
+                <a:solidFill>
+                  <a:schemeClr val="tx1"/>
+                </a:solidFill>
+                <a:latin typeface="+mj-lt"/>
+                <a:ea typeface="+mj-ea"/>
+                <a:cs typeface="+mj-cs"/>
+              </a:defRPr>
+            </a:lvl1pPr>
+          </a:lstStyle>
+          <a:p>
+            <a:pPr algn="ctr"/>
+            <a:r>
+              <a:rPr lang="en-US" b="1" dirty="0">
+                <a:solidFill>
+                  <a:srgbClr val="FF6600"/>
+                </a:solidFill>
+              </a:rPr>
+              <a:t>Recommendations</a:t>
+            </a:r>
+          </a:p>
+        </p:txBody>
+      </p:sp>
+    </p:spTree>
+    <p:extLst>
+      <p:ext uri="{BB962C8B-B14F-4D97-AF65-F5344CB8AC3E}">
+        <p14:creationId xmlns:p14="http://schemas.microsoft.com/office/powerpoint/2010/main" val="481083618"/>
+      </p:ext>
+    </p:extLst>
+  </p:cSld>
+  <p:clrMapOvr>
+    <a:masterClrMapping/>
+  </p:clrMapOvr>
+</p:sld>
+</file>
+
+<file path=ppt/slides/slide16.xml><?xml version="1.0" encoding="utf-8"?>
+<p:sld xmlns:a="http://schemas.openxmlformats.org/drawingml/2006/main" xmlns:r="http://schemas.openxmlformats.org/officeDocument/2006/relationships" xmlns:p="http://schemas.openxmlformats.org/presentationml/2006/main">
+  <p:cSld>
+    <p:spTree>
+      <p:nvGrpSpPr>
+        <p:cNvPr id="1" name=""/>
+        <p:cNvGrpSpPr/>
+        <p:nvPr/>
+      </p:nvGrpSpPr>
+      <p:grpSpPr>
+        <a:xfrm>
+          <a:off x="0" y="0"/>
+          <a:ext cx="0" cy="0"/>
+          <a:chOff x="0" y="0"/>
+          <a:chExt cx="0" cy="0"/>
+        </a:xfrm>
+      </p:grpSpPr>
+      <p:sp>
+        <p:nvSpPr>
+          <p:cNvPr id="3" name="Symbol zastępczy zawartości 2">
+            <a:extLst>
+              <a:ext uri="{FF2B5EF4-FFF2-40B4-BE49-F238E27FC236}">
+                <a16:creationId xmlns:a16="http://schemas.microsoft.com/office/drawing/2014/main" id="{CDC6F948-2F33-47A0-AE55-62E355ACC532}"/>
+              </a:ext>
+            </a:extLst>
+          </p:cNvPr>
+          <p:cNvSpPr>
+            <a:spLocks noGrp="1"/>
+          </p:cNvSpPr>
+          <p:nvPr>
+            <p:ph idx="1"/>
+          </p:nvPr>
+        </p:nvSpPr>
+        <p:spPr>
+          <a:xfrm>
+            <a:off x="477252" y="1296232"/>
+            <a:ext cx="11193379" cy="4226263"/>
+          </a:xfrm>
+        </p:spPr>
+        <p:txBody>
+          <a:bodyPr>
+            <a:noAutofit/>
+          </a:bodyPr>
+          <a:lstStyle/>
+          <a:p>
+            <a:pPr algn="just"/>
+            <a:r>
+              <a:rPr lang="en-US" sz="2300" dirty="0"/>
+              <a:t>Following modeling techniques should be consider for this assignment:</a:t>
+            </a:r>
+          </a:p>
+          <a:p>
+            <a:pPr lvl="1" algn="just"/>
+            <a:r>
+              <a:rPr lang="en-US" sz="1900" dirty="0"/>
+              <a:t>Decision Trees</a:t>
+            </a:r>
+          </a:p>
+          <a:p>
+            <a:pPr lvl="1" algn="just"/>
+            <a:r>
+              <a:rPr lang="en-US" sz="1900" dirty="0"/>
+              <a:t>K-Nearest Neighbors</a:t>
+            </a:r>
+          </a:p>
+          <a:p>
+            <a:pPr lvl="1" algn="just"/>
+            <a:r>
+              <a:rPr lang="en-US" sz="1900" dirty="0"/>
+              <a:t>Logistic Regression</a:t>
+            </a:r>
+          </a:p>
+          <a:p>
+            <a:pPr lvl="1" algn="just"/>
+            <a:r>
+              <a:rPr lang="en-US" sz="1900" dirty="0"/>
+              <a:t>SVM (Support Vector Machines)</a:t>
+            </a:r>
+          </a:p>
+        </p:txBody>
+      </p:sp>
+      <p:sp>
+        <p:nvSpPr>
+          <p:cNvPr id="4" name="Title 1">
+            <a:extLst>
+              <a:ext uri="{FF2B5EF4-FFF2-40B4-BE49-F238E27FC236}">
+                <a16:creationId xmlns:a16="http://schemas.microsoft.com/office/drawing/2014/main" id="{F0FEE1CD-BF08-48FA-8526-5BEB92660675}"/>
+              </a:ext>
+            </a:extLst>
+          </p:cNvPr>
+          <p:cNvSpPr txBox="1">
+            <a:spLocks/>
+          </p:cNvSpPr>
+          <p:nvPr/>
+        </p:nvSpPr>
+        <p:spPr>
+          <a:xfrm rot="5400000">
+            <a:off x="5488404" y="-5488406"/>
+            <a:ext cx="1215190" cy="12192001"/>
+          </a:xfrm>
+          <a:prstGeom prst="rect">
+            <a:avLst/>
+          </a:prstGeom>
+          <a:solidFill>
+            <a:srgbClr val="3B3B3B"/>
+          </a:solidFill>
+        </p:spPr>
+        <p:txBody>
+          <a:bodyPr vert="vert270" lIns="91440" tIns="45720" rIns="91440" bIns="45720" rtlCol="0" anchor="ctr" anchorCtr="0">
+            <a:normAutofit/>
+          </a:bodyPr>
+          <a:lstStyle>
+            <a:lvl1pPr algn="l" defTabSz="914400" rtl="0" eaLnBrk="1" latinLnBrk="0" hangingPunct="1">
+              <a:lnSpc>
+                <a:spcPct val="90000"/>
+              </a:lnSpc>
+              <a:spcBef>
+                <a:spcPct val="0"/>
+              </a:spcBef>
+              <a:buNone/>
+              <a:defRPr sz="4400" kern="1200">
+                <a:solidFill>
+                  <a:schemeClr val="tx1"/>
+                </a:solidFill>
+                <a:latin typeface="+mj-lt"/>
+                <a:ea typeface="+mj-ea"/>
+                <a:cs typeface="+mj-cs"/>
+              </a:defRPr>
+            </a:lvl1pPr>
+          </a:lstStyle>
+          <a:p>
+            <a:pPr algn="ctr"/>
+            <a:r>
               <a:rPr lang="pl-PL" b="1" dirty="0">
                 <a:solidFill>
                   <a:srgbClr val="FF6600"/>
@@ -5113,7 +6238,7 @@
 </p:sld>
 </file>
 
-<file path=ppt/slides/slide13.xml><?xml version="1.0" encoding="utf-8"?>
+<file path=ppt/slides/slide17.xml><?xml version="1.0" encoding="utf-8"?>
 <p:sld xmlns:a="http://schemas.openxmlformats.org/drawingml/2006/main" xmlns:r="http://schemas.openxmlformats.org/officeDocument/2006/relationships" xmlns:p="http://schemas.openxmlformats.org/presentationml/2006/main">
   <p:cSld>
     <p:spTree>
@@ -6905,8 +8030,8 @@
         </p:nvSpPr>
         <p:spPr>
           <a:xfrm>
-            <a:off x="446740" y="1393140"/>
-            <a:ext cx="11298518" cy="5327749"/>
+            <a:off x="446739" y="1393140"/>
+            <a:ext cx="11410719" cy="5327749"/>
           </a:xfrm>
         </p:spPr>
         <p:txBody>
@@ -6916,27 +8041,30 @@
           <a:lstStyle/>
           <a:p>
             <a:pPr algn="just"/>
-            <a:r>
-              <a:rPr lang="pl-PL" dirty="0"/>
-              <a:t>…</a:t>
-            </a:r>
+            <a:endParaRPr lang="pl-PL" dirty="0"/>
           </a:p>
           <a:p>
             <a:pPr algn="just"/>
-            <a:r>
-              <a:rPr lang="pl-PL" dirty="0"/>
-              <a:t>…</a:t>
-            </a:r>
+            <a:endParaRPr lang="pl-PL" dirty="0"/>
           </a:p>
           <a:p>
             <a:pPr algn="just"/>
-            <a:r>
-              <a:rPr lang="pl-PL" dirty="0"/>
-              <a:t>…</a:t>
-            </a:r>
-            <a:endParaRPr lang="en-AU" dirty="0"/>
-          </a:p>
-          <a:p>
+            <a:endParaRPr lang="pl-PL" dirty="0"/>
+          </a:p>
+          <a:p>
+            <a:pPr algn="just"/>
+            <a:endParaRPr lang="pl-PL" dirty="0"/>
+          </a:p>
+          <a:p>
+            <a:pPr algn="just"/>
+            <a:endParaRPr lang="pl-PL" dirty="0"/>
+          </a:p>
+          <a:p>
+            <a:pPr algn="just"/>
+            <a:endParaRPr lang="pl-PL" dirty="0"/>
+          </a:p>
+          <a:p>
+            <a:pPr algn="just"/>
             <a:endParaRPr lang="pl-PL" dirty="0"/>
           </a:p>
         </p:txBody>
@@ -6969,7 +8097,7 @@
         </p:spPr>
         <p:txBody>
           <a:bodyPr vert="vert270" lIns="91440" tIns="45720" rIns="91440" bIns="45720" rtlCol="0" anchor="ctr" anchorCtr="0">
-            <a:normAutofit/>
+            <a:normAutofit fontScale="92500"/>
           </a:bodyPr>
           <a:lstStyle>
             <a:lvl1pPr algn="l" defTabSz="914400" rtl="0" eaLnBrk="1" latinLnBrk="0" hangingPunct="1">
@@ -6998,17 +8126,36 @@
                   <a:srgbClr val="FF6600"/>
                 </a:solidFill>
               </a:rPr>
-              <a:t>EDA - Hypothesis no. </a:t>
-            </a:r>
-            <a:r>
-              <a:rPr lang="pl-PL" b="1" dirty="0">
+              <a:t>EDA - Hypothesis no. 2</a:t>
+            </a:r>
+          </a:p>
+          <a:p>
+            <a:pPr algn="ctr"/>
+            <a:r>
+              <a:rPr lang="pl-PL" sz="3400" b="1" dirty="0">
                 <a:solidFill>
                   <a:srgbClr val="FF6600"/>
                 </a:solidFill>
               </a:rPr>
-              <a:t>…</a:t>
-            </a:r>
-            <a:endParaRPr lang="en-US" b="1" dirty="0">
+              <a:t> „</a:t>
+            </a:r>
+            <a:r>
+              <a:rPr lang="en-US" sz="3400" b="1" dirty="0">
+                <a:solidFill>
+                  <a:srgbClr val="FF6600"/>
+                </a:solidFill>
+              </a:rPr>
+              <a:t>Side effect analysis based on patients condition since taking the drugs</a:t>
+            </a:r>
+            <a:r>
+              <a:rPr lang="pl-PL" sz="3400" b="1" dirty="0">
+                <a:solidFill>
+                  <a:srgbClr val="FF6600"/>
+                </a:solidFill>
+              </a:rPr>
+              <a:t>”</a:t>
+            </a:r>
+            <a:endParaRPr lang="en-US" sz="3400" b="1" dirty="0">
               <a:solidFill>
                 <a:srgbClr val="FF6600"/>
               </a:solidFill>
@@ -7016,10 +8163,100 @@
           </a:p>
         </p:txBody>
       </p:sp>
+      <p:pic>
+        <p:nvPicPr>
+          <p:cNvPr id="6" name="Picture 5">
+            <a:extLst>
+              <a:ext uri="{FF2B5EF4-FFF2-40B4-BE49-F238E27FC236}">
+                <a16:creationId xmlns:a16="http://schemas.microsoft.com/office/drawing/2014/main" id="{0DCF71DF-C517-4A8A-AF10-90E5989EF08B}"/>
+              </a:ext>
+            </a:extLst>
+          </p:cNvPr>
+          <p:cNvPicPr>
+            <a:picLocks noChangeAspect="1"/>
+          </p:cNvPicPr>
+          <p:nvPr/>
+        </p:nvPicPr>
+        <p:blipFill>
+          <a:blip r:embed="rId2"/>
+          <a:stretch>
+            <a:fillRect/>
+          </a:stretch>
+        </p:blipFill>
+        <p:spPr>
+          <a:xfrm>
+            <a:off x="446739" y="1393140"/>
+            <a:ext cx="5924550" cy="4247316"/>
+          </a:xfrm>
+          <a:prstGeom prst="rect">
+            <a:avLst/>
+          </a:prstGeom>
+        </p:spPr>
+      </p:pic>
+      <p:sp>
+        <p:nvSpPr>
+          <p:cNvPr id="2" name="TextBox 1">
+            <a:extLst>
+              <a:ext uri="{FF2B5EF4-FFF2-40B4-BE49-F238E27FC236}">
+                <a16:creationId xmlns:a16="http://schemas.microsoft.com/office/drawing/2014/main" id="{54593952-0983-4F47-9812-9069F76BD06A}"/>
+              </a:ext>
+            </a:extLst>
+          </p:cNvPr>
+          <p:cNvSpPr txBox="1"/>
+          <p:nvPr/>
+        </p:nvSpPr>
+        <p:spPr>
+          <a:xfrm>
+            <a:off x="6727372" y="1393140"/>
+            <a:ext cx="4599992" cy="4524315"/>
+          </a:xfrm>
+          <a:prstGeom prst="rect">
+            <a:avLst/>
+          </a:prstGeom>
+          <a:noFill/>
+        </p:spPr>
+        <p:txBody>
+          <a:bodyPr wrap="square" rtlCol="0">
+            <a:spAutoFit/>
+          </a:bodyPr>
+          <a:lstStyle/>
+          <a:p>
+            <a:pPr marL="285750" indent="-285750">
+              <a:buFont typeface="Arial" panose="020B0604020202020204" pitchFamily="34" charset="0"/>
+              <a:buChar char="•"/>
+            </a:pPr>
+            <a:r>
+              <a:rPr lang="en-US" dirty="0"/>
+              <a:t> After deleting the Nan values, the graph consulted shows that most of the patients had no side effects, but they neither improved their condition.</a:t>
+            </a:r>
+          </a:p>
+          <a:p>
+            <a:pPr marL="285750" indent="-285750">
+              <a:buFont typeface="Arial" panose="020B0604020202020204" pitchFamily="34" charset="0"/>
+              <a:buChar char="•"/>
+            </a:pPr>
+            <a:r>
+              <a:rPr lang="en-US" dirty="0"/>
+              <a:t>This is an example where the dominant category will definitely influence learning only one category and will be of no use when training, and no influence over declaring the persistency of a drug.</a:t>
+            </a:r>
+          </a:p>
+          <a:p>
+            <a:pPr marL="285750" indent="-285750">
+              <a:buFont typeface="Arial" panose="020B0604020202020204" pitchFamily="34" charset="0"/>
+              <a:buChar char="•"/>
+            </a:pPr>
+            <a:r>
+              <a:rPr lang="en-US" dirty="0"/>
+              <a:t> For this reason along with consideration of the very small appearance number of the two categories in the dataset, the two categories “Worsened” and “Improved” can be considered outliers. Therefore, after outliers removal, this column will not even exist.</a:t>
+            </a:r>
+            <a:endParaRPr lang="pl-PL" dirty="0"/>
+          </a:p>
+        </p:txBody>
+      </p:sp>
     </p:spTree>
     <p:extLst>
       <p:ext uri="{BB962C8B-B14F-4D97-AF65-F5344CB8AC3E}">
-        <p14:creationId xmlns:p14="http://schemas.microsoft.com/office/powerpoint/2010/main" val="305963083"/>
+        <p14:creationId xmlns:p14="http://schemas.microsoft.com/office/powerpoint/2010/main" val="2274438380"/>
       </p:ext>
     </p:extLst>
   </p:cSld>

--- a/Week_11/Presentation_EDA.pptx
+++ b/Week_11/Presentation_EDA.pptx
@@ -4986,10 +4986,10 @@
       </p:sp>
       <p:pic>
         <p:nvPicPr>
-          <p:cNvPr id="7" name="Picture 6">
+          <p:cNvPr id="6" name="Picture 5">
             <a:extLst>
               <a:ext uri="{FF2B5EF4-FFF2-40B4-BE49-F238E27FC236}">
-                <a16:creationId xmlns:a16="http://schemas.microsoft.com/office/drawing/2014/main" id="{ABE0FB49-4831-4675-AE6E-F6B0E00D6CF3}"/>
+                <a16:creationId xmlns:a16="http://schemas.microsoft.com/office/drawing/2014/main" id="{4A48D8A6-AA16-4137-B794-55D083A32D27}"/>
               </a:ext>
             </a:extLst>
           </p:cNvPr>
@@ -5006,8 +5006,8 @@
         </p:blipFill>
         <p:spPr>
           <a:xfrm>
-            <a:off x="937338" y="1851385"/>
-            <a:ext cx="6191250" cy="3552825"/>
+            <a:off x="775253" y="1967398"/>
+            <a:ext cx="5448300" cy="3333750"/>
           </a:xfrm>
           <a:prstGeom prst="rect">
             <a:avLst/>
@@ -5218,7 +5218,7 @@
         </p:blipFill>
         <p:spPr>
           <a:xfrm>
-            <a:off x="1250302" y="1411916"/>
+            <a:off x="1069035" y="1359572"/>
             <a:ext cx="5638800" cy="3738697"/>
           </a:xfrm>
           <a:prstGeom prst="rect">
@@ -5247,7 +5247,7 @@
         </p:blipFill>
         <p:spPr>
           <a:xfrm>
-            <a:off x="6405270" y="2086715"/>
+            <a:off x="6218658" y="1974748"/>
             <a:ext cx="5638800" cy="3738697"/>
           </a:xfrm>
           <a:prstGeom prst="rect">
@@ -5269,8 +5269,8 @@
         </p:nvSpPr>
         <p:spPr>
           <a:xfrm>
-            <a:off x="1371600" y="5303966"/>
-            <a:ext cx="9265298" cy="923330"/>
+            <a:off x="165971" y="5098269"/>
+            <a:ext cx="12026029" cy="1477328"/>
           </a:xfrm>
           <a:prstGeom prst="rect">
             <a:avLst/>
@@ -5289,7 +5289,35 @@
             </a:pPr>
             <a:r>
               <a:rPr lang="en-US" dirty="0"/>
+              <a:t>This graph is made after dealing with </a:t>
+            </a:r>
+            <a:r>
+              <a:rPr lang="en-US" dirty="0" err="1"/>
+              <a:t>NaN</a:t>
+            </a:r>
+            <a:r>
+              <a:rPr lang="en-US" dirty="0"/>
+              <a:t> values and before dealing with outliers in order to have a clear understanding over overall risks.</a:t>
+            </a:r>
+          </a:p>
+          <a:p>
+            <a:pPr marL="285750" indent="-285750">
+              <a:buFont typeface="Arial" panose="020B0604020202020204" pitchFamily="34" charset="0"/>
+              <a:buChar char="•"/>
+            </a:pPr>
+            <a:r>
+              <a:rPr lang="en-US" dirty="0"/>
               <a:t>This graph shows for how many patients each kind of risk is met. It can be concluded that risk of Vitamin D insufficiency, along with risk of smoking tobacco and risk of chronic malnutrition or malabsorption are the among the most frequent risks.</a:t>
+            </a:r>
+          </a:p>
+          <a:p>
+            <a:pPr marL="285750" indent="-285750">
+              <a:buFont typeface="Arial" panose="020B0604020202020204" pitchFamily="34" charset="0"/>
+              <a:buChar char="•"/>
+            </a:pPr>
+            <a:r>
+              <a:rPr lang="en-US" dirty="0"/>
+              <a:t>The rest column risks include outliers and being only 2 categories, those risk columns will be of no use for model training.</a:t>
             </a:r>
           </a:p>
         </p:txBody>
@@ -5492,7 +5520,7 @@
         <p:spPr>
           <a:xfrm>
             <a:off x="1334276" y="5355771"/>
-            <a:ext cx="10039739" cy="646331"/>
+            <a:ext cx="10039739" cy="923330"/>
           </a:xfrm>
           <a:prstGeom prst="rect">
             <a:avLst/>
@@ -5505,19 +5533,33 @@
           </a:bodyPr>
           <a:lstStyle/>
           <a:p>
+            <a:pPr marL="285750" indent="-285750">
+              <a:buFont typeface="Arial" panose="020B0604020202020204" pitchFamily="34" charset="0"/>
+              <a:buChar char="•"/>
+            </a:pPr>
             <a:r>
               <a:rPr lang="en-US" dirty="0"/>
               <a:t>There are also 2 types of risks:  during Rx and before mycobacteria (NTM) treatment, that have other categorical values and are among the most frequent risks. </a:t>
             </a:r>
           </a:p>
+          <a:p>
+            <a:pPr marL="285750" indent="-285750">
+              <a:buFont typeface="Arial" panose="020B0604020202020204" pitchFamily="34" charset="0"/>
+              <a:buChar char="•"/>
+            </a:pPr>
+            <a:r>
+              <a:rPr lang="en-US" dirty="0"/>
+              <a:t>These graphs are  made on he cleaned dataset and are valuable to model training.</a:t>
+            </a:r>
+          </a:p>
         </p:txBody>
       </p:sp>
       <p:pic>
         <p:nvPicPr>
-          <p:cNvPr id="7" name="Picture 6">
+          <p:cNvPr id="6" name="Picture 5">
             <a:extLst>
               <a:ext uri="{FF2B5EF4-FFF2-40B4-BE49-F238E27FC236}">
-                <a16:creationId xmlns:a16="http://schemas.microsoft.com/office/drawing/2014/main" id="{E19BD214-C7B9-442B-B141-20AD7E7F0F3C}"/>
+                <a16:creationId xmlns:a16="http://schemas.microsoft.com/office/drawing/2014/main" id="{34AC341F-ABCC-41F3-9073-B175B6C84199}"/>
               </a:ext>
             </a:extLst>
           </p:cNvPr>
@@ -5534,8 +5576,8 @@
         </p:blipFill>
         <p:spPr>
           <a:xfrm>
-            <a:off x="1501937" y="1393140"/>
-            <a:ext cx="4404340" cy="3773135"/>
+            <a:off x="6308739" y="1590769"/>
+            <a:ext cx="5436522" cy="3209925"/>
           </a:xfrm>
           <a:prstGeom prst="rect">
             <a:avLst/>
@@ -5544,10 +5586,10 @@
       </p:pic>
       <p:pic>
         <p:nvPicPr>
-          <p:cNvPr id="5" name="Picture 4">
+          <p:cNvPr id="9" name="Picture 8">
             <a:extLst>
               <a:ext uri="{FF2B5EF4-FFF2-40B4-BE49-F238E27FC236}">
-                <a16:creationId xmlns:a16="http://schemas.microsoft.com/office/drawing/2014/main" id="{1C6B99D4-14E1-4029-9526-5420A573F33A}"/>
+                <a16:creationId xmlns:a16="http://schemas.microsoft.com/office/drawing/2014/main" id="{64E972FD-351E-437B-AECE-F1B7F47E2ACF}"/>
               </a:ext>
             </a:extLst>
           </p:cNvPr>
@@ -5564,8 +5606,8 @@
         </p:blipFill>
         <p:spPr>
           <a:xfrm>
-            <a:off x="6672796" y="1393140"/>
-            <a:ext cx="4915823" cy="3629284"/>
+            <a:off x="772691" y="1590769"/>
+            <a:ext cx="5962650" cy="3276600"/>
           </a:xfrm>
           <a:prstGeom prst="rect">
             <a:avLst/>
@@ -8163,12 +8205,72 @@
           </a:p>
         </p:txBody>
       </p:sp>
+      <p:sp>
+        <p:nvSpPr>
+          <p:cNvPr id="2" name="TextBox 1">
+            <a:extLst>
+              <a:ext uri="{FF2B5EF4-FFF2-40B4-BE49-F238E27FC236}">
+                <a16:creationId xmlns:a16="http://schemas.microsoft.com/office/drawing/2014/main" id="{54593952-0983-4F47-9812-9069F76BD06A}"/>
+              </a:ext>
+            </a:extLst>
+          </p:cNvPr>
+          <p:cNvSpPr txBox="1"/>
+          <p:nvPr/>
+        </p:nvSpPr>
+        <p:spPr>
+          <a:xfrm>
+            <a:off x="6727372" y="1393140"/>
+            <a:ext cx="4599992" cy="4524315"/>
+          </a:xfrm>
+          <a:prstGeom prst="rect">
+            <a:avLst/>
+          </a:prstGeom>
+          <a:noFill/>
+        </p:spPr>
+        <p:txBody>
+          <a:bodyPr wrap="square" rtlCol="0">
+            <a:spAutoFit/>
+          </a:bodyPr>
+          <a:lstStyle/>
+          <a:p>
+            <a:pPr marL="285750" indent="-285750">
+              <a:buFont typeface="Arial" panose="020B0604020202020204" pitchFamily="34" charset="0"/>
+              <a:buChar char="•"/>
+            </a:pPr>
+            <a:r>
+              <a:rPr lang="en-US" dirty="0"/>
+              <a:t> After dealing with the Nan values, the graph consulted shows that most of the patients had no side effects, but they neither improved their condition.</a:t>
+            </a:r>
+          </a:p>
+          <a:p>
+            <a:pPr marL="285750" indent="-285750">
+              <a:buFont typeface="Arial" panose="020B0604020202020204" pitchFamily="34" charset="0"/>
+              <a:buChar char="•"/>
+            </a:pPr>
+            <a:r>
+              <a:rPr lang="en-US" dirty="0"/>
+              <a:t>This is an example where the dominant category will definitely influence learning only one category and will be of no use when training, and no influence over declaring the persistency of a drug.</a:t>
+            </a:r>
+          </a:p>
+          <a:p>
+            <a:pPr marL="285750" indent="-285750">
+              <a:buFont typeface="Arial" panose="020B0604020202020204" pitchFamily="34" charset="0"/>
+              <a:buChar char="•"/>
+            </a:pPr>
+            <a:r>
+              <a:rPr lang="en-US" dirty="0"/>
+              <a:t> For this reason along with consideration of the very small appearance number of the two categories in the dataset, the two categories “Worsened” and “Improved” can be considered outliers. Therefore, after outliers removal, this column will not even exist.</a:t>
+            </a:r>
+            <a:endParaRPr lang="pl-PL" dirty="0"/>
+          </a:p>
+        </p:txBody>
+      </p:sp>
       <p:pic>
         <p:nvPicPr>
-          <p:cNvPr id="6" name="Picture 5">
+          <p:cNvPr id="7" name="Picture 6">
             <a:extLst>
               <a:ext uri="{FF2B5EF4-FFF2-40B4-BE49-F238E27FC236}">
-                <a16:creationId xmlns:a16="http://schemas.microsoft.com/office/drawing/2014/main" id="{0DCF71DF-C517-4A8A-AF10-90E5989EF08B}"/>
+                <a16:creationId xmlns:a16="http://schemas.microsoft.com/office/drawing/2014/main" id="{6753BF89-C4B6-46CD-9680-7A04893F2CFD}"/>
               </a:ext>
             </a:extLst>
           </p:cNvPr>
@@ -8185,74 +8287,14 @@
         </p:blipFill>
         <p:spPr>
           <a:xfrm>
-            <a:off x="446739" y="1393140"/>
-            <a:ext cx="5924550" cy="4247316"/>
+            <a:off x="715268" y="1632255"/>
+            <a:ext cx="5743575" cy="4046084"/>
           </a:xfrm>
           <a:prstGeom prst="rect">
             <a:avLst/>
           </a:prstGeom>
         </p:spPr>
       </p:pic>
-      <p:sp>
-        <p:nvSpPr>
-          <p:cNvPr id="2" name="TextBox 1">
-            <a:extLst>
-              <a:ext uri="{FF2B5EF4-FFF2-40B4-BE49-F238E27FC236}">
-                <a16:creationId xmlns:a16="http://schemas.microsoft.com/office/drawing/2014/main" id="{54593952-0983-4F47-9812-9069F76BD06A}"/>
-              </a:ext>
-            </a:extLst>
-          </p:cNvPr>
-          <p:cNvSpPr txBox="1"/>
-          <p:nvPr/>
-        </p:nvSpPr>
-        <p:spPr>
-          <a:xfrm>
-            <a:off x="6727372" y="1393140"/>
-            <a:ext cx="4599992" cy="4524315"/>
-          </a:xfrm>
-          <a:prstGeom prst="rect">
-            <a:avLst/>
-          </a:prstGeom>
-          <a:noFill/>
-        </p:spPr>
-        <p:txBody>
-          <a:bodyPr wrap="square" rtlCol="0">
-            <a:spAutoFit/>
-          </a:bodyPr>
-          <a:lstStyle/>
-          <a:p>
-            <a:pPr marL="285750" indent="-285750">
-              <a:buFont typeface="Arial" panose="020B0604020202020204" pitchFamily="34" charset="0"/>
-              <a:buChar char="•"/>
-            </a:pPr>
-            <a:r>
-              <a:rPr lang="en-US" dirty="0"/>
-              <a:t> After deleting the Nan values, the graph consulted shows that most of the patients had no side effects, but they neither improved their condition.</a:t>
-            </a:r>
-          </a:p>
-          <a:p>
-            <a:pPr marL="285750" indent="-285750">
-              <a:buFont typeface="Arial" panose="020B0604020202020204" pitchFamily="34" charset="0"/>
-              <a:buChar char="•"/>
-            </a:pPr>
-            <a:r>
-              <a:rPr lang="en-US" dirty="0"/>
-              <a:t>This is an example where the dominant category will definitely influence learning only one category and will be of no use when training, and no influence over declaring the persistency of a drug.</a:t>
-            </a:r>
-          </a:p>
-          <a:p>
-            <a:pPr marL="285750" indent="-285750">
-              <a:buFont typeface="Arial" panose="020B0604020202020204" pitchFamily="34" charset="0"/>
-              <a:buChar char="•"/>
-            </a:pPr>
-            <a:r>
-              <a:rPr lang="en-US" dirty="0"/>
-              <a:t> For this reason along with consideration of the very small appearance number of the two categories in the dataset, the two categories “Worsened” and “Improved” can be considered outliers. Therefore, after outliers removal, this column will not even exist.</a:t>
-            </a:r>
-            <a:endParaRPr lang="pl-PL" dirty="0"/>
-          </a:p>
-        </p:txBody>
-      </p:sp>
     </p:spTree>
     <p:extLst>
       <p:ext uri="{BB962C8B-B14F-4D97-AF65-F5344CB8AC3E}">

--- a/Week_11/Presentation_EDA.pptx
+++ b/Week_11/Presentation_EDA.pptx
@@ -4907,7 +4907,7 @@
                   <a:srgbClr val="FF6600"/>
                 </a:solidFill>
               </a:rPr>
-              <a:t>EDA - Hypothesis no. 2</a:t>
+              <a:t>EDA - Hypothesis no. 3</a:t>
             </a:r>
           </a:p>
           <a:p>
@@ -7583,21 +7583,17 @@
           <a:p>
             <a:r>
               <a:rPr lang="en-US" dirty="0"/>
-              <a:t>Hypothesis no. 2: </a:t>
-            </a:r>
-            <a:r>
-              <a:rPr lang="pl-PL" dirty="0"/>
-              <a:t>...</a:t>
+              <a:t>Hypothesis no. 2: Side effect analysis based on patients condition since taking the drugs</a:t>
             </a:r>
           </a:p>
           <a:p>
             <a:r>
               <a:rPr lang="en-US" dirty="0"/>
-              <a:t>Hypothesis no. 3: </a:t>
-            </a:r>
-            <a:r>
-              <a:rPr lang="pl-PL" dirty="0"/>
-              <a:t>…</a:t>
+              <a:t>Hypothesis no. </a:t>
+            </a:r>
+            <a:r>
+              <a:rPr lang="en-US"/>
+              <a:t>3: Most frequent risks</a:t>
             </a:r>
             <a:endParaRPr lang="en-AU" dirty="0"/>
           </a:p>
